--- a/Presentation/insure_me.pptx
+++ b/Presentation/insure_me.pptx
@@ -5,10 +5,10 @@
     <p:sldMasterId id="2147483648" r:id="rId1"/>
   </p:sldMasterIdLst>
   <p:notesMasterIdLst>
-    <p:notesMasterId r:id="rId10"/>
+    <p:notesMasterId r:id="rId12"/>
   </p:notesMasterIdLst>
   <p:handoutMasterIdLst>
-    <p:handoutMasterId r:id="rId11"/>
+    <p:handoutMasterId r:id="rId13"/>
   </p:handoutMasterIdLst>
   <p:sldIdLst>
     <p:sldId id="267" r:id="rId2"/>
@@ -19,6 +19,8 @@
     <p:sldId id="275" r:id="rId7"/>
     <p:sldId id="276" r:id="rId8"/>
     <p:sldId id="277" r:id="rId9"/>
+    <p:sldId id="279" r:id="rId10"/>
+    <p:sldId id="278" r:id="rId11"/>
   </p:sldIdLst>
   <p:sldSz cx="12192000" cy="6858000"/>
   <p:notesSz cx="6858000" cy="9144000"/>
@@ -119,7 +121,7 @@
   </p:defaultTextStyle>
   <p:extLst>
     <p:ext uri="{EFAFB233-063F-42B5-8137-9DF3F51BA10A}">
-      <p15:sldGuideLst xmlns:p15="http://schemas.microsoft.com/office/powerpoint/2012/main">
+      <p15:sldGuideLst xmlns:p15="http://schemas.microsoft.com/office/powerpoint/2012/main" xmlns="">
         <p15:guide id="1" pos="3840" userDrawn="1">
           <p15:clr>
             <a:srgbClr val="A4A3A4"/>
@@ -133,7 +135,7 @@
       </p15:sldGuideLst>
     </p:ext>
     <p:ext uri="{2D200454-40CA-4A62-9FC3-DE9A4176ACB9}">
-      <p15:notesGuideLst xmlns:p15="http://schemas.microsoft.com/office/powerpoint/2012/main"/>
+      <p15:notesGuideLst xmlns:p15="http://schemas.microsoft.com/office/powerpoint/2012/main" xmlns=""/>
     </p:ext>
   </p:extLst>
 </p:presentation>
@@ -3838,7 +3840,7 @@
   </p:txStyles>
   <p:extLst mod="1">
     <p:ext uri="{27BBF7A9-308A-43DC-89C8-2F10F3537804}">
-      <p15:sldGuideLst xmlns:p15="http://schemas.microsoft.com/office/powerpoint/2012/main">
+      <p15:sldGuideLst xmlns:p15="http://schemas.microsoft.com/office/powerpoint/2012/main" xmlns="">
         <p15:guide id="1" orient="horz" pos="2160" userDrawn="1">
           <p15:clr>
             <a:srgbClr val="F26B43"/>
@@ -3945,7 +3947,7 @@
           <p:cNvPr id="4" name="Subtitle 2">
             <a:extLst>
               <a:ext uri="{FF2B5EF4-FFF2-40B4-BE49-F238E27FC236}">
-                <a16:creationId xmlns:a16="http://schemas.microsoft.com/office/drawing/2014/main" id="{F6B3D5D8-7343-45C4-BE47-18557F5CB5D2}"/>
+                <a16:creationId xmlns:a16="http://schemas.microsoft.com/office/drawing/2014/main" xmlns="" id="{F6B3D5D8-7343-45C4-BE47-18557F5CB5D2}"/>
               </a:ext>
             </a:extLst>
           </p:cNvPr>
@@ -4180,7 +4182,7 @@
           <p:cNvPr id="5" name="Picture 4">
             <a:extLst>
               <a:ext uri="{FF2B5EF4-FFF2-40B4-BE49-F238E27FC236}">
-                <a16:creationId xmlns:a16="http://schemas.microsoft.com/office/drawing/2014/main" id="{0E05A1BE-022E-4CAC-BA97-6E0CC33F9C71}"/>
+                <a16:creationId xmlns:a16="http://schemas.microsoft.com/office/drawing/2014/main" xmlns="" id="{0E05A1BE-022E-4CAC-BA97-6E0CC33F9C71}"/>
               </a:ext>
             </a:extLst>
           </p:cNvPr>
@@ -4209,6 +4211,291 @@
     <p:extLst>
       <p:ext uri="{BB962C8B-B14F-4D97-AF65-F5344CB8AC3E}">
         <p14:creationId xmlns:p14="http://schemas.microsoft.com/office/powerpoint/2010/main" val="1051878143"/>
+      </p:ext>
+    </p:extLst>
+  </p:cSld>
+  <p:clrMapOvr>
+    <a:masterClrMapping/>
+  </p:clrMapOvr>
+  <mc:AlternateContent xmlns:mc="http://schemas.openxmlformats.org/markup-compatibility/2006" xmlns:p14="http://schemas.microsoft.com/office/powerpoint/2010/main">
+    <mc:Choice Requires="p14">
+      <p:transition spd="med" p14:dur="700">
+        <p:fade/>
+      </p:transition>
+    </mc:Choice>
+    <mc:Fallback xmlns="">
+      <p:transition spd="med">
+        <p:fade/>
+      </p:transition>
+    </mc:Fallback>
+  </mc:AlternateContent>
+</p:sld>
+</file>
+
+<file path=ppt/slides/slide10.xml><?xml version="1.0" encoding="utf-8"?>
+<p:sld xmlns:a="http://schemas.openxmlformats.org/drawingml/2006/main" xmlns:r="http://schemas.openxmlformats.org/officeDocument/2006/relationships" xmlns:p="http://schemas.openxmlformats.org/presentationml/2006/main">
+  <p:cSld>
+    <p:spTree>
+      <p:nvGrpSpPr>
+        <p:cNvPr id="1" name=""/>
+        <p:cNvGrpSpPr/>
+        <p:nvPr/>
+      </p:nvGrpSpPr>
+      <p:grpSpPr>
+        <a:xfrm>
+          <a:off x="0" y="0"/>
+          <a:ext cx="0" cy="0"/>
+          <a:chOff x="0" y="0"/>
+          <a:chExt cx="0" cy="0"/>
+        </a:xfrm>
+      </p:grpSpPr>
+      <p:sp>
+        <p:nvSpPr>
+          <p:cNvPr id="2" name="TextBox 1">
+            <a:extLst>
+              <a:ext uri="{FF2B5EF4-FFF2-40B4-BE49-F238E27FC236}">
+                <a16:creationId xmlns:a16="http://schemas.microsoft.com/office/drawing/2014/main" xmlns="" id="{6B093C10-9439-4369-A617-2EAB94F83D8F}"/>
+              </a:ext>
+            </a:extLst>
+          </p:cNvPr>
+          <p:cNvSpPr txBox="1"/>
+          <p:nvPr/>
+        </p:nvSpPr>
+        <p:spPr>
+          <a:xfrm>
+            <a:off x="573579" y="689600"/>
+            <a:ext cx="9993493" cy="5663089"/>
+          </a:xfrm>
+          <a:prstGeom prst="rect">
+            <a:avLst/>
+          </a:prstGeom>
+          <a:noFill/>
+        </p:spPr>
+        <p:txBody>
+          <a:bodyPr wrap="square" rtlCol="0">
+            <a:spAutoFit/>
+          </a:bodyPr>
+          <a:lstStyle/>
+          <a:p>
+            <a:r>
+              <a:rPr lang="en-GB" sz="3600" b="1" dirty="0">
+                <a:latin typeface="Calibri" panose="020F0502020204030204" pitchFamily="34" charset="0"/>
+                <a:cs typeface="Calibri" panose="020F0502020204030204" pitchFamily="34" charset="0"/>
+              </a:rPr>
+              <a:t>F</a:t>
+            </a:r>
+            <a:r>
+              <a:rPr lang="en-GB" sz="3600" dirty="0">
+                <a:latin typeface="Calibri" panose="020F0502020204030204" pitchFamily="34" charset="0"/>
+                <a:cs typeface="Calibri" panose="020F0502020204030204" pitchFamily="34" charset="0"/>
+              </a:rPr>
+              <a:t>uture </a:t>
+            </a:r>
+            <a:r>
+              <a:rPr lang="en-GB" sz="3600" b="1" dirty="0">
+                <a:latin typeface="Calibri" panose="020F0502020204030204" pitchFamily="34" charset="0"/>
+                <a:cs typeface="Calibri" panose="020F0502020204030204" pitchFamily="34" charset="0"/>
+              </a:rPr>
+              <a:t>D</a:t>
+            </a:r>
+            <a:r>
+              <a:rPr lang="en-GB" sz="3600" dirty="0">
+                <a:latin typeface="Calibri" panose="020F0502020204030204" pitchFamily="34" charset="0"/>
+                <a:cs typeface="Calibri" panose="020F0502020204030204" pitchFamily="34" charset="0"/>
+              </a:rPr>
+              <a:t>evelopment</a:t>
+            </a:r>
+          </a:p>
+          <a:p>
+            <a:endParaRPr lang="en-GB" dirty="0">
+              <a:latin typeface="Calibri" panose="020F0502020204030204" pitchFamily="34" charset="0"/>
+              <a:cs typeface="Calibri" panose="020F0502020204030204" pitchFamily="34" charset="0"/>
+            </a:endParaRPr>
+          </a:p>
+          <a:p>
+            <a:endParaRPr lang="en-GB" sz="2000" dirty="0">
+              <a:latin typeface="Calibri" panose="020F0502020204030204" pitchFamily="34" charset="0"/>
+              <a:cs typeface="Calibri" panose="020F0502020204030204" pitchFamily="34" charset="0"/>
+            </a:endParaRPr>
+          </a:p>
+          <a:p>
+            <a:pPr marL="285750" indent="-285750">
+              <a:buFont typeface="Arial" panose="020B0604020202020204" pitchFamily="34" charset="0"/>
+              <a:buChar char="•"/>
+            </a:pPr>
+            <a:r>
+              <a:rPr lang="en-GB" sz="2000" dirty="0">
+                <a:latin typeface="Calibri" panose="020F0502020204030204" pitchFamily="34" charset="0"/>
+                <a:cs typeface="Calibri" panose="020F0502020204030204" pitchFamily="34" charset="0"/>
+              </a:rPr>
+              <a:t>Machine learning to suggest quote</a:t>
+            </a:r>
+          </a:p>
+          <a:p>
+            <a:pPr marL="285750" indent="-285750">
+              <a:buFont typeface="Arial" panose="020B0604020202020204" pitchFamily="34" charset="0"/>
+              <a:buChar char="•"/>
+            </a:pPr>
+            <a:endParaRPr lang="en-GB" sz="2000" dirty="0">
+              <a:latin typeface="Calibri" panose="020F0502020204030204" pitchFamily="34" charset="0"/>
+              <a:cs typeface="Calibri" panose="020F0502020204030204" pitchFamily="34" charset="0"/>
+            </a:endParaRPr>
+          </a:p>
+          <a:p>
+            <a:pPr marL="285750" indent="-285750">
+              <a:buFont typeface="Arial" panose="020B0604020202020204" pitchFamily="34" charset="0"/>
+              <a:buChar char="•"/>
+            </a:pPr>
+            <a:r>
+              <a:rPr lang="en-GB" sz="2000" smtClean="0">
+                <a:latin typeface="Calibri" panose="020F0502020204030204" pitchFamily="34" charset="0"/>
+                <a:cs typeface="Calibri" panose="020F0502020204030204" pitchFamily="34" charset="0"/>
+              </a:rPr>
+              <a:t>Clustering </a:t>
+            </a:r>
+            <a:r>
+              <a:rPr lang="en-GB" sz="2000" dirty="0">
+                <a:latin typeface="Calibri" panose="020F0502020204030204" pitchFamily="34" charset="0"/>
+                <a:cs typeface="Calibri" panose="020F0502020204030204" pitchFamily="34" charset="0"/>
+              </a:rPr>
+              <a:t>/ Predictive analytics for cross selling / up-selling / underwriting</a:t>
+            </a:r>
+          </a:p>
+          <a:p>
+            <a:pPr marL="285750" indent="-285750">
+              <a:buFont typeface="Arial" panose="020B0604020202020204" pitchFamily="34" charset="0"/>
+              <a:buChar char="•"/>
+            </a:pPr>
+            <a:endParaRPr lang="en-GB" sz="2000" dirty="0">
+              <a:latin typeface="Calibri" panose="020F0502020204030204" pitchFamily="34" charset="0"/>
+              <a:cs typeface="Calibri" panose="020F0502020204030204" pitchFamily="34" charset="0"/>
+            </a:endParaRPr>
+          </a:p>
+          <a:p>
+            <a:pPr marL="285750" indent="-285750">
+              <a:buFont typeface="Arial" panose="020B0604020202020204" pitchFamily="34" charset="0"/>
+              <a:buChar char="•"/>
+            </a:pPr>
+            <a:r>
+              <a:rPr lang="en-GB" sz="2000" dirty="0">
+                <a:latin typeface="Calibri" panose="020F0502020204030204" pitchFamily="34" charset="0"/>
+                <a:cs typeface="Calibri" panose="020F0502020204030204" pitchFamily="34" charset="0"/>
+              </a:rPr>
+              <a:t>Expansion to other industries (e.g. Housing</a:t>
+            </a:r>
+            <a:r>
+              <a:rPr lang="en-GB" sz="2000" dirty="0" smtClean="0">
+                <a:latin typeface="Calibri" panose="020F0502020204030204" pitchFamily="34" charset="0"/>
+                <a:cs typeface="Calibri" panose="020F0502020204030204" pitchFamily="34" charset="0"/>
+              </a:rPr>
+              <a:t>)</a:t>
+            </a:r>
+          </a:p>
+          <a:p>
+            <a:pPr marL="285750" indent="-285750">
+              <a:buFont typeface="Arial" panose="020B0604020202020204" pitchFamily="34" charset="0"/>
+              <a:buChar char="•"/>
+            </a:pPr>
+            <a:endParaRPr lang="en-GB" sz="2000" dirty="0">
+              <a:latin typeface="Calibri" panose="020F0502020204030204" pitchFamily="34" charset="0"/>
+              <a:cs typeface="Calibri" panose="020F0502020204030204" pitchFamily="34" charset="0"/>
+            </a:endParaRPr>
+          </a:p>
+          <a:p>
+            <a:pPr marL="285750" indent="-285750">
+              <a:buFont typeface="Arial" panose="020B0604020202020204" pitchFamily="34" charset="0"/>
+              <a:buChar char="•"/>
+            </a:pPr>
+            <a:r>
+              <a:rPr lang="en-GB" sz="2000" dirty="0" smtClean="0">
+                <a:latin typeface="Calibri" panose="020F0502020204030204" pitchFamily="34" charset="0"/>
+                <a:cs typeface="Calibri" panose="020F0502020204030204" pitchFamily="34" charset="0"/>
+              </a:rPr>
+              <a:t>Business rules engine (e.g. </a:t>
+            </a:r>
+            <a:r>
+              <a:rPr lang="en-GB" sz="2000" dirty="0" smtClean="0">
+                <a:latin typeface="Calibri" panose="020F0502020204030204" pitchFamily="34" charset="0"/>
+                <a:cs typeface="Calibri" panose="020F0502020204030204" pitchFamily="34" charset="0"/>
+              </a:rPr>
+              <a:t>Drools)</a:t>
+            </a:r>
+          </a:p>
+          <a:p>
+            <a:pPr marL="285750" indent="-285750">
+              <a:buFont typeface="Arial" panose="020B0604020202020204" pitchFamily="34" charset="0"/>
+              <a:buChar char="•"/>
+            </a:pPr>
+            <a:endParaRPr lang="en-GB" sz="2000" dirty="0">
+              <a:latin typeface="Calibri" panose="020F0502020204030204" pitchFamily="34" charset="0"/>
+              <a:cs typeface="Calibri" panose="020F0502020204030204" pitchFamily="34" charset="0"/>
+            </a:endParaRPr>
+          </a:p>
+          <a:p>
+            <a:pPr marL="285750" indent="-285750">
+              <a:buFont typeface="Arial" panose="020B0604020202020204" pitchFamily="34" charset="0"/>
+              <a:buChar char="•"/>
+            </a:pPr>
+            <a:r>
+              <a:rPr lang="en-GB" sz="2000" dirty="0" smtClean="0">
+                <a:latin typeface="Calibri" panose="020F0502020204030204" pitchFamily="34" charset="0"/>
+                <a:cs typeface="Calibri" panose="020F0502020204030204" pitchFamily="34" charset="0"/>
+              </a:rPr>
+              <a:t>Automated quote generation</a:t>
+            </a:r>
+            <a:endParaRPr lang="en-GB" sz="2000" dirty="0">
+              <a:latin typeface="Calibri" panose="020F0502020204030204" pitchFamily="34" charset="0"/>
+              <a:cs typeface="Calibri" panose="020F0502020204030204" pitchFamily="34" charset="0"/>
+            </a:endParaRPr>
+          </a:p>
+          <a:p>
+            <a:r>
+              <a:rPr lang="en-GB" b="1" dirty="0"/>
+              <a:t>  </a:t>
+            </a:r>
+          </a:p>
+          <a:p>
+            <a:pPr marL="285750" indent="-285750">
+              <a:buFont typeface="Arial" panose="020B0604020202020204" pitchFamily="34" charset="0"/>
+              <a:buChar char="•"/>
+            </a:pPr>
+            <a:endParaRPr lang="en-GB" b="1" dirty="0"/>
+          </a:p>
+          <a:p>
+            <a:endParaRPr lang="en-GB" b="1" dirty="0"/>
+          </a:p>
+          <a:p>
+            <a:pPr marL="285750" indent="-285750">
+              <a:buFont typeface="Arial" panose="020B0604020202020204" pitchFamily="34" charset="0"/>
+              <a:buChar char="•"/>
+            </a:pPr>
+            <a:endParaRPr lang="en-GB" dirty="0">
+              <a:latin typeface="Calibri" panose="020F0502020204030204" pitchFamily="34" charset="0"/>
+              <a:cs typeface="Calibri" panose="020F0502020204030204" pitchFamily="34" charset="0"/>
+            </a:endParaRPr>
+          </a:p>
+          <a:p>
+            <a:pPr marL="285750" indent="-285750">
+              <a:buFont typeface="Arial" panose="020B0604020202020204" pitchFamily="34" charset="0"/>
+              <a:buChar char="•"/>
+            </a:pPr>
+            <a:endParaRPr lang="en-GB" dirty="0">
+              <a:latin typeface="Calibri" panose="020F0502020204030204" pitchFamily="34" charset="0"/>
+              <a:cs typeface="Calibri" panose="020F0502020204030204" pitchFamily="34" charset="0"/>
+            </a:endParaRPr>
+          </a:p>
+          <a:p>
+            <a:r>
+              <a:rPr lang="en-GB" dirty="0"/>
+              <a:t> </a:t>
+            </a:r>
+          </a:p>
+        </p:txBody>
+      </p:sp>
+    </p:spTree>
+    <p:extLst>
+      <p:ext uri="{BB962C8B-B14F-4D97-AF65-F5344CB8AC3E}">
+        <p14:creationId xmlns:p14="http://schemas.microsoft.com/office/powerpoint/2010/main" val="551789427"/>
       </p:ext>
     </p:extLst>
   </p:cSld>
@@ -4252,7 +4539,7 @@
           <p:cNvPr id="2" name="TextBox 1">
             <a:extLst>
               <a:ext uri="{FF2B5EF4-FFF2-40B4-BE49-F238E27FC236}">
-                <a16:creationId xmlns:a16="http://schemas.microsoft.com/office/drawing/2014/main" id="{6F8DDD41-4CE9-4BE8-A3A7-275BE33FB8FB}"/>
+                <a16:creationId xmlns:a16="http://schemas.microsoft.com/office/drawing/2014/main" xmlns="" id="{6F8DDD41-4CE9-4BE8-A3A7-275BE33FB8FB}"/>
               </a:ext>
             </a:extLst>
           </p:cNvPr>
@@ -4296,7 +4583,7 @@
               </a:rPr>
               <a:t> </a:t>
             </a:r>
-            <a:endParaRPr lang="en-CY" sz="5400" dirty="0">
+            <a:endParaRPr lang="x-none" sz="5400" dirty="0">
               <a:latin typeface="Calibri" panose="020F0502020204030204" pitchFamily="34" charset="0"/>
               <a:cs typeface="Calibri" panose="020F0502020204030204" pitchFamily="34" charset="0"/>
             </a:endParaRPr>
@@ -4308,7 +4595,7 @@
           <p:cNvPr id="3" name="TextBox 2">
             <a:extLst>
               <a:ext uri="{FF2B5EF4-FFF2-40B4-BE49-F238E27FC236}">
-                <a16:creationId xmlns:a16="http://schemas.microsoft.com/office/drawing/2014/main" id="{0B46FCD9-F6E2-407E-BD28-944466584834}"/>
+                <a16:creationId xmlns:a16="http://schemas.microsoft.com/office/drawing/2014/main" xmlns="" id="{0B46FCD9-F6E2-407E-BD28-944466584834}"/>
               </a:ext>
             </a:extLst>
           </p:cNvPr>
@@ -4335,7 +4622,7 @@
               <a:rPr lang="en-GB" sz="2400" i="1" dirty="0"/>
               <a:t>“My insurance expires soon and I do not have the time nor the desire to look for a better deal”</a:t>
             </a:r>
-            <a:endParaRPr lang="en-CY" sz="2400" i="1" dirty="0"/>
+            <a:endParaRPr lang="x-none" sz="2400" i="1" dirty="0"/>
           </a:p>
         </p:txBody>
       </p:sp>
@@ -4344,7 +4631,7 @@
           <p:cNvPr id="4" name="TextBox 3">
             <a:extLst>
               <a:ext uri="{FF2B5EF4-FFF2-40B4-BE49-F238E27FC236}">
-                <a16:creationId xmlns:a16="http://schemas.microsoft.com/office/drawing/2014/main" id="{76DE9AB2-C01C-40CE-B70C-836F6773F241}"/>
+                <a16:creationId xmlns:a16="http://schemas.microsoft.com/office/drawing/2014/main" xmlns="" id="{76DE9AB2-C01C-40CE-B70C-836F6773F241}"/>
               </a:ext>
             </a:extLst>
           </p:cNvPr>
@@ -4375,7 +4662,7 @@
               <a:rPr lang="en-GB" sz="2400" b="1" i="1" dirty="0"/>
               <a:t>I am missing out”</a:t>
             </a:r>
-            <a:endParaRPr lang="en-CY" sz="2400" b="1" i="1" dirty="0"/>
+            <a:endParaRPr lang="x-none" sz="2400" b="1" i="1" dirty="0"/>
           </a:p>
         </p:txBody>
       </p:sp>
@@ -4426,7 +4713,7 @@
           <p:cNvPr id="4" name="TextBox 3">
             <a:extLst>
               <a:ext uri="{FF2B5EF4-FFF2-40B4-BE49-F238E27FC236}">
-                <a16:creationId xmlns:a16="http://schemas.microsoft.com/office/drawing/2014/main" id="{E4A0A0FE-0150-42D9-A1A0-335ED7364F10}"/>
+                <a16:creationId xmlns:a16="http://schemas.microsoft.com/office/drawing/2014/main" xmlns="" id="{E4A0A0FE-0150-42D9-A1A0-335ED7364F10}"/>
               </a:ext>
             </a:extLst>
           </p:cNvPr>
@@ -4470,7 +4757,7 @@
               </a:rPr>
               <a:t> </a:t>
             </a:r>
-            <a:endParaRPr lang="en-CY" sz="5400" dirty="0">
+            <a:endParaRPr lang="x-none" sz="5400" dirty="0">
               <a:latin typeface="Calibri" panose="020F0502020204030204" pitchFamily="34" charset="0"/>
               <a:cs typeface="Calibri" panose="020F0502020204030204" pitchFamily="34" charset="0"/>
             </a:endParaRPr>
@@ -4482,7 +4769,7 @@
           <p:cNvPr id="14" name="TextBox 13">
             <a:extLst>
               <a:ext uri="{FF2B5EF4-FFF2-40B4-BE49-F238E27FC236}">
-                <a16:creationId xmlns:a16="http://schemas.microsoft.com/office/drawing/2014/main" id="{05709547-8277-44BE-9BAD-201A967899AF}"/>
+                <a16:creationId xmlns:a16="http://schemas.microsoft.com/office/drawing/2014/main" xmlns="" id="{05709547-8277-44BE-9BAD-201A967899AF}"/>
               </a:ext>
             </a:extLst>
           </p:cNvPr>
@@ -4511,7 +4798,7 @@
             </a:r>
           </a:p>
           <a:p>
-            <a:endParaRPr lang="en-CY" b="1" dirty="0"/>
+            <a:endParaRPr lang="x-none" b="1" dirty="0"/>
           </a:p>
         </p:txBody>
       </p:sp>
@@ -4520,7 +4807,7 @@
           <p:cNvPr id="15" name="TextBox 14">
             <a:extLst>
               <a:ext uri="{FF2B5EF4-FFF2-40B4-BE49-F238E27FC236}">
-                <a16:creationId xmlns:a16="http://schemas.microsoft.com/office/drawing/2014/main" id="{81E5529D-4326-455B-A85E-2F4C9A9B563B}"/>
+                <a16:creationId xmlns:a16="http://schemas.microsoft.com/office/drawing/2014/main" xmlns="" id="{81E5529D-4326-455B-A85E-2F4C9A9B563B}"/>
               </a:ext>
             </a:extLst>
           </p:cNvPr>
@@ -4550,7 +4837,7 @@
               </a:rPr>
               <a:t>Panicos</a:t>
             </a:r>
-            <a:endParaRPr lang="en-CY" dirty="0">
+            <a:endParaRPr lang="x-none" dirty="0">
               <a:latin typeface="Calibri" panose="020F0502020204030204" pitchFamily="34" charset="0"/>
               <a:cs typeface="Calibri" panose="020F0502020204030204" pitchFamily="34" charset="0"/>
             </a:endParaRPr>
@@ -4562,7 +4849,7 @@
           <p:cNvPr id="29" name="TextBox 28">
             <a:extLst>
               <a:ext uri="{FF2B5EF4-FFF2-40B4-BE49-F238E27FC236}">
-                <a16:creationId xmlns:a16="http://schemas.microsoft.com/office/drawing/2014/main" id="{39C960E6-9997-487F-B361-3927FB8A9D27}"/>
+                <a16:creationId xmlns:a16="http://schemas.microsoft.com/office/drawing/2014/main" xmlns="" id="{39C960E6-9997-487F-B361-3927FB8A9D27}"/>
               </a:ext>
             </a:extLst>
           </p:cNvPr>
@@ -4615,7 +4902,7 @@
               <a:buFont typeface="Arial" panose="020B0604020202020204" pitchFamily="34" charset="0"/>
               <a:buChar char="•"/>
             </a:pPr>
-            <a:endParaRPr lang="en-CY" sz="1400" dirty="0"/>
+            <a:endParaRPr lang="x-none" sz="1400" dirty="0"/>
           </a:p>
         </p:txBody>
       </p:sp>
@@ -4624,7 +4911,7 @@
           <p:cNvPr id="33" name="TextBox 32">
             <a:extLst>
               <a:ext uri="{FF2B5EF4-FFF2-40B4-BE49-F238E27FC236}">
-                <a16:creationId xmlns:a16="http://schemas.microsoft.com/office/drawing/2014/main" id="{9A1E2CF3-F0F7-452F-AE5D-FD64B47135CD}"/>
+                <a16:creationId xmlns:a16="http://schemas.microsoft.com/office/drawing/2014/main" xmlns="" id="{9A1E2CF3-F0F7-452F-AE5D-FD64B47135CD}"/>
               </a:ext>
             </a:extLst>
           </p:cNvPr>
@@ -4654,7 +4941,7 @@
               <a:buFont typeface="Arial" panose="020B0604020202020204" pitchFamily="34" charset="0"/>
               <a:buChar char="•"/>
             </a:pPr>
-            <a:endParaRPr lang="en-CY" sz="1400" dirty="0"/>
+            <a:endParaRPr lang="x-none" sz="1400" dirty="0"/>
           </a:p>
         </p:txBody>
       </p:sp>
@@ -4663,7 +4950,7 @@
           <p:cNvPr id="38" name="TextBox 37">
             <a:extLst>
               <a:ext uri="{FF2B5EF4-FFF2-40B4-BE49-F238E27FC236}">
-                <a16:creationId xmlns:a16="http://schemas.microsoft.com/office/drawing/2014/main" id="{246EE84F-8A27-4CA3-B801-59F7FFD49CF8}"/>
+                <a16:creationId xmlns:a16="http://schemas.microsoft.com/office/drawing/2014/main" xmlns="" id="{246EE84F-8A27-4CA3-B801-59F7FFD49CF8}"/>
               </a:ext>
             </a:extLst>
           </p:cNvPr>
@@ -4701,7 +4988,7 @@
           <p:cNvPr id="34" name="Rectangle: Rounded Corners 33">
             <a:extLst>
               <a:ext uri="{FF2B5EF4-FFF2-40B4-BE49-F238E27FC236}">
-                <a16:creationId xmlns:a16="http://schemas.microsoft.com/office/drawing/2014/main" id="{3413A097-925E-4FB3-8F4B-82FAD2386E9A}"/>
+                <a16:creationId xmlns:a16="http://schemas.microsoft.com/office/drawing/2014/main" xmlns="" id="{3413A097-925E-4FB3-8F4B-82FAD2386E9A}"/>
               </a:ext>
             </a:extLst>
           </p:cNvPr>
@@ -4771,7 +5058,7 @@
           <p:cNvPr id="56" name="Rectangle: Rounded Corners 55">
             <a:extLst>
               <a:ext uri="{FF2B5EF4-FFF2-40B4-BE49-F238E27FC236}">
-                <a16:creationId xmlns:a16="http://schemas.microsoft.com/office/drawing/2014/main" id="{68149660-3911-435C-A996-4C33792BD0BB}"/>
+                <a16:creationId xmlns:a16="http://schemas.microsoft.com/office/drawing/2014/main" xmlns="" id="{68149660-3911-435C-A996-4C33792BD0BB}"/>
               </a:ext>
             </a:extLst>
           </p:cNvPr>
@@ -4843,7 +5130,7 @@
           <p:cNvPr id="57" name="Rectangle: Rounded Corners 56">
             <a:extLst>
               <a:ext uri="{FF2B5EF4-FFF2-40B4-BE49-F238E27FC236}">
-                <a16:creationId xmlns:a16="http://schemas.microsoft.com/office/drawing/2014/main" id="{173D66CD-96F1-4B66-92EF-9BD4A9859C56}"/>
+                <a16:creationId xmlns:a16="http://schemas.microsoft.com/office/drawing/2014/main" xmlns="" id="{173D66CD-96F1-4B66-92EF-9BD4A9859C56}"/>
               </a:ext>
             </a:extLst>
           </p:cNvPr>
@@ -4913,7 +5200,7 @@
           <p:cNvPr id="58" name="TextBox 57">
             <a:extLst>
               <a:ext uri="{FF2B5EF4-FFF2-40B4-BE49-F238E27FC236}">
-                <a16:creationId xmlns:a16="http://schemas.microsoft.com/office/drawing/2014/main" id="{49AF021A-7E74-4A5B-A610-DE2E317210D0}"/>
+                <a16:creationId xmlns:a16="http://schemas.microsoft.com/office/drawing/2014/main" xmlns="" id="{49AF021A-7E74-4A5B-A610-DE2E317210D0}"/>
               </a:ext>
             </a:extLst>
           </p:cNvPr>
@@ -4984,7 +5271,7 @@
           <p:cNvPr id="59" name="Rectangle: Rounded Corners 58">
             <a:extLst>
               <a:ext uri="{FF2B5EF4-FFF2-40B4-BE49-F238E27FC236}">
-                <a16:creationId xmlns:a16="http://schemas.microsoft.com/office/drawing/2014/main" id="{107E9430-E349-4AEF-A795-D039FDCCEFBB}"/>
+                <a16:creationId xmlns:a16="http://schemas.microsoft.com/office/drawing/2014/main" xmlns="" id="{107E9430-E349-4AEF-A795-D039FDCCEFBB}"/>
               </a:ext>
             </a:extLst>
           </p:cNvPr>
@@ -5059,7 +5346,7 @@
           <p:cNvPr id="60" name="Picture 59">
             <a:extLst>
               <a:ext uri="{FF2B5EF4-FFF2-40B4-BE49-F238E27FC236}">
-                <a16:creationId xmlns:a16="http://schemas.microsoft.com/office/drawing/2014/main" id="{1A01293B-3D0D-48F3-A962-B78952BD1E99}"/>
+                <a16:creationId xmlns:a16="http://schemas.microsoft.com/office/drawing/2014/main" xmlns="" id="{1A01293B-3D0D-48F3-A962-B78952BD1E99}"/>
               </a:ext>
             </a:extLst>
           </p:cNvPr>
@@ -5089,7 +5376,7 @@
           <p:cNvPr id="61" name="TextBox 60">
             <a:extLst>
               <a:ext uri="{FF2B5EF4-FFF2-40B4-BE49-F238E27FC236}">
-                <a16:creationId xmlns:a16="http://schemas.microsoft.com/office/drawing/2014/main" id="{AC87C8A9-E4A2-44A2-81AD-DC26ED88B222}"/>
+                <a16:creationId xmlns:a16="http://schemas.microsoft.com/office/drawing/2014/main" xmlns="" id="{AC87C8A9-E4A2-44A2-81AD-DC26ED88B222}"/>
               </a:ext>
             </a:extLst>
           </p:cNvPr>
@@ -5180,7 +5467,7 @@
           <p:cNvPr id="62" name="Rectangle: Rounded Corners 61">
             <a:extLst>
               <a:ext uri="{FF2B5EF4-FFF2-40B4-BE49-F238E27FC236}">
-                <a16:creationId xmlns:a16="http://schemas.microsoft.com/office/drawing/2014/main" id="{515A54E9-3245-44F3-A6AB-66C605B891E6}"/>
+                <a16:creationId xmlns:a16="http://schemas.microsoft.com/office/drawing/2014/main" xmlns="" id="{515A54E9-3245-44F3-A6AB-66C605B891E6}"/>
               </a:ext>
             </a:extLst>
           </p:cNvPr>
@@ -5252,7 +5539,7 @@
           <p:cNvPr id="3" name="TextBox 2">
             <a:extLst>
               <a:ext uri="{FF2B5EF4-FFF2-40B4-BE49-F238E27FC236}">
-                <a16:creationId xmlns:a16="http://schemas.microsoft.com/office/drawing/2014/main" id="{064D7B70-5E95-4799-948B-D1DA0A028DDE}"/>
+                <a16:creationId xmlns:a16="http://schemas.microsoft.com/office/drawing/2014/main" xmlns="" id="{064D7B70-5E95-4799-948B-D1DA0A028DDE}"/>
               </a:ext>
             </a:extLst>
           </p:cNvPr>
@@ -5290,7 +5577,7 @@
           <p:cNvPr id="20" name="Straight Connector 19">
             <a:extLst>
               <a:ext uri="{FF2B5EF4-FFF2-40B4-BE49-F238E27FC236}">
-                <a16:creationId xmlns:a16="http://schemas.microsoft.com/office/drawing/2014/main" id="{374A412E-56A1-447C-98BC-FC9BBD3A680E}"/>
+                <a16:creationId xmlns:a16="http://schemas.microsoft.com/office/drawing/2014/main" xmlns="" id="{374A412E-56A1-447C-98BC-FC9BBD3A680E}"/>
               </a:ext>
             </a:extLst>
           </p:cNvPr>
@@ -5381,7 +5668,7 @@
           <p:cNvPr id="4" name="TextBox 3">
             <a:extLst>
               <a:ext uri="{FF2B5EF4-FFF2-40B4-BE49-F238E27FC236}">
-                <a16:creationId xmlns:a16="http://schemas.microsoft.com/office/drawing/2014/main" id="{E4A0A0FE-0150-42D9-A1A0-335ED7364F10}"/>
+                <a16:creationId xmlns:a16="http://schemas.microsoft.com/office/drawing/2014/main" xmlns="" id="{E4A0A0FE-0150-42D9-A1A0-335ED7364F10}"/>
               </a:ext>
             </a:extLst>
           </p:cNvPr>
@@ -5425,7 +5712,7 @@
               </a:rPr>
               <a:t> </a:t>
             </a:r>
-            <a:endParaRPr lang="en-CY" sz="5400" dirty="0">
+            <a:endParaRPr lang="x-none" sz="5400" dirty="0">
               <a:latin typeface="Calibri" panose="020F0502020204030204" pitchFamily="34" charset="0"/>
               <a:cs typeface="Calibri" panose="020F0502020204030204" pitchFamily="34" charset="0"/>
             </a:endParaRPr>
@@ -5437,7 +5724,7 @@
           <p:cNvPr id="15" name="TextBox 14">
             <a:extLst>
               <a:ext uri="{FF2B5EF4-FFF2-40B4-BE49-F238E27FC236}">
-                <a16:creationId xmlns:a16="http://schemas.microsoft.com/office/drawing/2014/main" id="{81E5529D-4326-455B-A85E-2F4C9A9B563B}"/>
+                <a16:creationId xmlns:a16="http://schemas.microsoft.com/office/drawing/2014/main" xmlns="" id="{81E5529D-4326-455B-A85E-2F4C9A9B563B}"/>
               </a:ext>
             </a:extLst>
           </p:cNvPr>
@@ -5467,7 +5754,7 @@
               </a:rPr>
               <a:t>Panicos</a:t>
             </a:r>
-            <a:endParaRPr lang="en-CY" dirty="0">
+            <a:endParaRPr lang="x-none" dirty="0">
               <a:latin typeface="Calibri" panose="020F0502020204030204" pitchFamily="34" charset="0"/>
               <a:cs typeface="Calibri" panose="020F0502020204030204" pitchFamily="34" charset="0"/>
             </a:endParaRPr>
@@ -5479,7 +5766,7 @@
           <p:cNvPr id="22" name="Connector: Curved 21">
             <a:extLst>
               <a:ext uri="{FF2B5EF4-FFF2-40B4-BE49-F238E27FC236}">
-                <a16:creationId xmlns:a16="http://schemas.microsoft.com/office/drawing/2014/main" id="{0F2CB940-3013-4A3D-A482-FD2250B3EEF6}"/>
+                <a16:creationId xmlns:a16="http://schemas.microsoft.com/office/drawing/2014/main" xmlns="" id="{0F2CB940-3013-4A3D-A482-FD2250B3EEF6}"/>
               </a:ext>
             </a:extLst>
           </p:cNvPr>
@@ -5520,7 +5807,7 @@
           <p:cNvPr id="29" name="TextBox 28">
             <a:extLst>
               <a:ext uri="{FF2B5EF4-FFF2-40B4-BE49-F238E27FC236}">
-                <a16:creationId xmlns:a16="http://schemas.microsoft.com/office/drawing/2014/main" id="{39C960E6-9997-487F-B361-3927FB8A9D27}"/>
+                <a16:creationId xmlns:a16="http://schemas.microsoft.com/office/drawing/2014/main" xmlns="" id="{39C960E6-9997-487F-B361-3927FB8A9D27}"/>
               </a:ext>
             </a:extLst>
           </p:cNvPr>
@@ -5596,7 +5883,7 @@
               <a:buFont typeface="Arial" panose="020B0604020202020204" pitchFamily="34" charset="0"/>
               <a:buChar char="•"/>
             </a:pPr>
-            <a:endParaRPr lang="en-CY" sz="1400" dirty="0"/>
+            <a:endParaRPr lang="x-none" sz="1400" dirty="0"/>
           </a:p>
         </p:txBody>
       </p:sp>
@@ -5605,7 +5892,7 @@
           <p:cNvPr id="33" name="TextBox 32">
             <a:extLst>
               <a:ext uri="{FF2B5EF4-FFF2-40B4-BE49-F238E27FC236}">
-                <a16:creationId xmlns:a16="http://schemas.microsoft.com/office/drawing/2014/main" id="{9A1E2CF3-F0F7-452F-AE5D-FD64B47135CD}"/>
+                <a16:creationId xmlns:a16="http://schemas.microsoft.com/office/drawing/2014/main" xmlns="" id="{9A1E2CF3-F0F7-452F-AE5D-FD64B47135CD}"/>
               </a:ext>
             </a:extLst>
           </p:cNvPr>
@@ -5671,7 +5958,7 @@
               <a:buFont typeface="Arial" panose="020B0604020202020204" pitchFamily="34" charset="0"/>
               <a:buChar char="•"/>
             </a:pPr>
-            <a:endParaRPr lang="en-CY" sz="1400" dirty="0"/>
+            <a:endParaRPr lang="x-none" sz="1400" dirty="0"/>
           </a:p>
         </p:txBody>
       </p:sp>
@@ -5680,7 +5967,7 @@
           <p:cNvPr id="56" name="Rectangle: Rounded Corners 55">
             <a:extLst>
               <a:ext uri="{FF2B5EF4-FFF2-40B4-BE49-F238E27FC236}">
-                <a16:creationId xmlns:a16="http://schemas.microsoft.com/office/drawing/2014/main" id="{68149660-3911-435C-A996-4C33792BD0BB}"/>
+                <a16:creationId xmlns:a16="http://schemas.microsoft.com/office/drawing/2014/main" xmlns="" id="{68149660-3911-435C-A996-4C33792BD0BB}"/>
               </a:ext>
             </a:extLst>
           </p:cNvPr>
@@ -5752,7 +6039,7 @@
           <p:cNvPr id="57" name="Rectangle: Rounded Corners 56">
             <a:extLst>
               <a:ext uri="{FF2B5EF4-FFF2-40B4-BE49-F238E27FC236}">
-                <a16:creationId xmlns:a16="http://schemas.microsoft.com/office/drawing/2014/main" id="{173D66CD-96F1-4B66-92EF-9BD4A9859C56}"/>
+                <a16:creationId xmlns:a16="http://schemas.microsoft.com/office/drawing/2014/main" xmlns="" id="{173D66CD-96F1-4B66-92EF-9BD4A9859C56}"/>
               </a:ext>
             </a:extLst>
           </p:cNvPr>
@@ -5822,7 +6109,7 @@
           <p:cNvPr id="58" name="TextBox 57">
             <a:extLst>
               <a:ext uri="{FF2B5EF4-FFF2-40B4-BE49-F238E27FC236}">
-                <a16:creationId xmlns:a16="http://schemas.microsoft.com/office/drawing/2014/main" id="{49AF021A-7E74-4A5B-A610-DE2E317210D0}"/>
+                <a16:creationId xmlns:a16="http://schemas.microsoft.com/office/drawing/2014/main" xmlns="" id="{49AF021A-7E74-4A5B-A610-DE2E317210D0}"/>
               </a:ext>
             </a:extLst>
           </p:cNvPr>
@@ -5893,7 +6180,7 @@
           <p:cNvPr id="59" name="Rectangle: Rounded Corners 58">
             <a:extLst>
               <a:ext uri="{FF2B5EF4-FFF2-40B4-BE49-F238E27FC236}">
-                <a16:creationId xmlns:a16="http://schemas.microsoft.com/office/drawing/2014/main" id="{107E9430-E349-4AEF-A795-D039FDCCEFBB}"/>
+                <a16:creationId xmlns:a16="http://schemas.microsoft.com/office/drawing/2014/main" xmlns="" id="{107E9430-E349-4AEF-A795-D039FDCCEFBB}"/>
               </a:ext>
             </a:extLst>
           </p:cNvPr>
@@ -5968,7 +6255,7 @@
           <p:cNvPr id="60" name="Picture 59">
             <a:extLst>
               <a:ext uri="{FF2B5EF4-FFF2-40B4-BE49-F238E27FC236}">
-                <a16:creationId xmlns:a16="http://schemas.microsoft.com/office/drawing/2014/main" id="{1A01293B-3D0D-48F3-A962-B78952BD1E99}"/>
+                <a16:creationId xmlns:a16="http://schemas.microsoft.com/office/drawing/2014/main" xmlns="" id="{1A01293B-3D0D-48F3-A962-B78952BD1E99}"/>
               </a:ext>
             </a:extLst>
           </p:cNvPr>
@@ -5998,7 +6285,7 @@
           <p:cNvPr id="61" name="TextBox 60">
             <a:extLst>
               <a:ext uri="{FF2B5EF4-FFF2-40B4-BE49-F238E27FC236}">
-                <a16:creationId xmlns:a16="http://schemas.microsoft.com/office/drawing/2014/main" id="{AC87C8A9-E4A2-44A2-81AD-DC26ED88B222}"/>
+                <a16:creationId xmlns:a16="http://schemas.microsoft.com/office/drawing/2014/main" xmlns="" id="{AC87C8A9-E4A2-44A2-81AD-DC26ED88B222}"/>
               </a:ext>
             </a:extLst>
           </p:cNvPr>
@@ -6089,7 +6376,7 @@
           <p:cNvPr id="62" name="Rectangle: Rounded Corners 61">
             <a:extLst>
               <a:ext uri="{FF2B5EF4-FFF2-40B4-BE49-F238E27FC236}">
-                <a16:creationId xmlns:a16="http://schemas.microsoft.com/office/drawing/2014/main" id="{515A54E9-3245-44F3-A6AB-66C605B891E6}"/>
+                <a16:creationId xmlns:a16="http://schemas.microsoft.com/office/drawing/2014/main" xmlns="" id="{515A54E9-3245-44F3-A6AB-66C605B891E6}"/>
               </a:ext>
             </a:extLst>
           </p:cNvPr>
@@ -6161,7 +6448,7 @@
           <p:cNvPr id="3" name="TextBox 2">
             <a:extLst>
               <a:ext uri="{FF2B5EF4-FFF2-40B4-BE49-F238E27FC236}">
-                <a16:creationId xmlns:a16="http://schemas.microsoft.com/office/drawing/2014/main" id="{064D7B70-5E95-4799-948B-D1DA0A028DDE}"/>
+                <a16:creationId xmlns:a16="http://schemas.microsoft.com/office/drawing/2014/main" xmlns="" id="{064D7B70-5E95-4799-948B-D1DA0A028DDE}"/>
               </a:ext>
             </a:extLst>
           </p:cNvPr>
@@ -6199,7 +6486,7 @@
           <p:cNvPr id="77" name="Rectangle: Rounded Corners 76">
             <a:extLst>
               <a:ext uri="{FF2B5EF4-FFF2-40B4-BE49-F238E27FC236}">
-                <a16:creationId xmlns:a16="http://schemas.microsoft.com/office/drawing/2014/main" id="{DD802C83-D597-4D14-9D8D-C793AF2A87FB}"/>
+                <a16:creationId xmlns:a16="http://schemas.microsoft.com/office/drawing/2014/main" xmlns="" id="{DD802C83-D597-4D14-9D8D-C793AF2A87FB}"/>
               </a:ext>
             </a:extLst>
           </p:cNvPr>
@@ -6269,7 +6556,7 @@
           <p:cNvPr id="78" name="Rectangle: Rounded Corners 77">
             <a:extLst>
               <a:ext uri="{FF2B5EF4-FFF2-40B4-BE49-F238E27FC236}">
-                <a16:creationId xmlns:a16="http://schemas.microsoft.com/office/drawing/2014/main" id="{AA9C1257-451E-498F-A02C-4CBC1D71270A}"/>
+                <a16:creationId xmlns:a16="http://schemas.microsoft.com/office/drawing/2014/main" xmlns="" id="{AA9C1257-451E-498F-A02C-4CBC1D71270A}"/>
               </a:ext>
             </a:extLst>
           </p:cNvPr>
@@ -6344,7 +6631,7 @@
           <p:cNvPr id="79" name="TextBox 78">
             <a:extLst>
               <a:ext uri="{FF2B5EF4-FFF2-40B4-BE49-F238E27FC236}">
-                <a16:creationId xmlns:a16="http://schemas.microsoft.com/office/drawing/2014/main" id="{AF6D3B86-52CF-4CA4-9CF1-F3898BCBBF57}"/>
+                <a16:creationId xmlns:a16="http://schemas.microsoft.com/office/drawing/2014/main" xmlns="" id="{AF6D3B86-52CF-4CA4-9CF1-F3898BCBBF57}"/>
               </a:ext>
             </a:extLst>
           </p:cNvPr>
@@ -6392,7 +6679,7 @@
           <p:cNvPr id="80" name="Straight Connector 79">
             <a:extLst>
               <a:ext uri="{FF2B5EF4-FFF2-40B4-BE49-F238E27FC236}">
-                <a16:creationId xmlns:a16="http://schemas.microsoft.com/office/drawing/2014/main" id="{F94C2E1D-353C-4202-AD06-9AC44E32AE25}"/>
+                <a16:creationId xmlns:a16="http://schemas.microsoft.com/office/drawing/2014/main" xmlns="" id="{F94C2E1D-353C-4202-AD06-9AC44E32AE25}"/>
               </a:ext>
             </a:extLst>
           </p:cNvPr>
@@ -6426,7 +6713,7 @@
           <p:cNvPr id="81" name="Straight Connector 80">
             <a:extLst>
               <a:ext uri="{FF2B5EF4-FFF2-40B4-BE49-F238E27FC236}">
-                <a16:creationId xmlns:a16="http://schemas.microsoft.com/office/drawing/2014/main" id="{8744D808-131B-484A-B032-807FC4FCC1C5}"/>
+                <a16:creationId xmlns:a16="http://schemas.microsoft.com/office/drawing/2014/main" xmlns="" id="{8744D808-131B-484A-B032-807FC4FCC1C5}"/>
               </a:ext>
             </a:extLst>
           </p:cNvPr>
@@ -6457,7 +6744,7 @@
           <p:cNvPr id="82" name="Straight Connector 81">
             <a:extLst>
               <a:ext uri="{FF2B5EF4-FFF2-40B4-BE49-F238E27FC236}">
-                <a16:creationId xmlns:a16="http://schemas.microsoft.com/office/drawing/2014/main" id="{62317A7F-E764-494B-90A3-E42ACA091E68}"/>
+                <a16:creationId xmlns:a16="http://schemas.microsoft.com/office/drawing/2014/main" xmlns="" id="{62317A7F-E764-494B-90A3-E42ACA091E68}"/>
               </a:ext>
             </a:extLst>
           </p:cNvPr>
@@ -6488,7 +6775,7 @@
           <p:cNvPr id="83" name="Rectangle: Rounded Corners 82">
             <a:extLst>
               <a:ext uri="{FF2B5EF4-FFF2-40B4-BE49-F238E27FC236}">
-                <a16:creationId xmlns:a16="http://schemas.microsoft.com/office/drawing/2014/main" id="{5FA988DC-BF95-4BF9-9919-53E5DDFD39D1}"/>
+                <a16:creationId xmlns:a16="http://schemas.microsoft.com/office/drawing/2014/main" xmlns="" id="{5FA988DC-BF95-4BF9-9919-53E5DDFD39D1}"/>
               </a:ext>
             </a:extLst>
           </p:cNvPr>
@@ -6577,7 +6864,7 @@
           <p:cNvPr id="98" name="TextBox 97">
             <a:extLst>
               <a:ext uri="{FF2B5EF4-FFF2-40B4-BE49-F238E27FC236}">
-                <a16:creationId xmlns:a16="http://schemas.microsoft.com/office/drawing/2014/main" id="{6C3626C7-8748-4574-8323-B1D9697359BA}"/>
+                <a16:creationId xmlns:a16="http://schemas.microsoft.com/office/drawing/2014/main" xmlns="" id="{6C3626C7-8748-4574-8323-B1D9697359BA}"/>
               </a:ext>
             </a:extLst>
           </p:cNvPr>
@@ -6668,7 +6955,7 @@
           <p:cNvPr id="99" name="Rectangle: Rounded Corners 98">
             <a:extLst>
               <a:ext uri="{FF2B5EF4-FFF2-40B4-BE49-F238E27FC236}">
-                <a16:creationId xmlns:a16="http://schemas.microsoft.com/office/drawing/2014/main" id="{734A7309-4AA7-491C-A1E1-823BE931E6D3}"/>
+                <a16:creationId xmlns:a16="http://schemas.microsoft.com/office/drawing/2014/main" xmlns="" id="{734A7309-4AA7-491C-A1E1-823BE931E6D3}"/>
               </a:ext>
             </a:extLst>
           </p:cNvPr>
@@ -6740,7 +7027,7 @@
           <p:cNvPr id="100" name="Rectangle: Rounded Corners 99">
             <a:extLst>
               <a:ext uri="{FF2B5EF4-FFF2-40B4-BE49-F238E27FC236}">
-                <a16:creationId xmlns:a16="http://schemas.microsoft.com/office/drawing/2014/main" id="{B9EDACED-8C64-4DF7-ABB1-72013BB4FB11}"/>
+                <a16:creationId xmlns:a16="http://schemas.microsoft.com/office/drawing/2014/main" xmlns="" id="{B9EDACED-8C64-4DF7-ABB1-72013BB4FB11}"/>
               </a:ext>
             </a:extLst>
           </p:cNvPr>
@@ -6812,7 +7099,7 @@
           <p:cNvPr id="101" name="TextBox 100">
             <a:extLst>
               <a:ext uri="{FF2B5EF4-FFF2-40B4-BE49-F238E27FC236}">
-                <a16:creationId xmlns:a16="http://schemas.microsoft.com/office/drawing/2014/main" id="{CD3E78E4-540A-4F60-B732-BD58646560CC}"/>
+                <a16:creationId xmlns:a16="http://schemas.microsoft.com/office/drawing/2014/main" xmlns="" id="{CD3E78E4-540A-4F60-B732-BD58646560CC}"/>
               </a:ext>
             </a:extLst>
           </p:cNvPr>
@@ -6883,7 +7170,7 @@
           <p:cNvPr id="102" name="TextBox 101">
             <a:extLst>
               <a:ext uri="{FF2B5EF4-FFF2-40B4-BE49-F238E27FC236}">
-                <a16:creationId xmlns:a16="http://schemas.microsoft.com/office/drawing/2014/main" id="{2CF05DDE-9621-4AD0-9B03-F1BA1F26AC03}"/>
+                <a16:creationId xmlns:a16="http://schemas.microsoft.com/office/drawing/2014/main" xmlns="" id="{2CF05DDE-9621-4AD0-9B03-F1BA1F26AC03}"/>
               </a:ext>
             </a:extLst>
           </p:cNvPr>
@@ -6974,7 +7261,7 @@
           <p:cNvPr id="103" name="TextBox 102">
             <a:extLst>
               <a:ext uri="{FF2B5EF4-FFF2-40B4-BE49-F238E27FC236}">
-                <a16:creationId xmlns:a16="http://schemas.microsoft.com/office/drawing/2014/main" id="{DBD9D1BD-E7C3-430C-ADEA-FB863E39C33B}"/>
+                <a16:creationId xmlns:a16="http://schemas.microsoft.com/office/drawing/2014/main" xmlns="" id="{DBD9D1BD-E7C3-430C-ADEA-FB863E39C33B}"/>
               </a:ext>
             </a:extLst>
           </p:cNvPr>
@@ -7081,7 +7368,7 @@
           <p:cNvPr id="104" name="Rectangle: Rounded Corners 103">
             <a:extLst>
               <a:ext uri="{FF2B5EF4-FFF2-40B4-BE49-F238E27FC236}">
-                <a16:creationId xmlns:a16="http://schemas.microsoft.com/office/drawing/2014/main" id="{6E663EF5-EBC8-4D4D-8706-4594627DA6ED}"/>
+                <a16:creationId xmlns:a16="http://schemas.microsoft.com/office/drawing/2014/main" xmlns="" id="{6E663EF5-EBC8-4D4D-8706-4594627DA6ED}"/>
               </a:ext>
             </a:extLst>
           </p:cNvPr>
@@ -7156,7 +7443,7 @@
           <p:cNvPr id="105" name="Connector: Curved 104">
             <a:extLst>
               <a:ext uri="{FF2B5EF4-FFF2-40B4-BE49-F238E27FC236}">
-                <a16:creationId xmlns:a16="http://schemas.microsoft.com/office/drawing/2014/main" id="{2A607E6C-5F99-4460-A7E3-503792842044}"/>
+                <a16:creationId xmlns:a16="http://schemas.microsoft.com/office/drawing/2014/main" xmlns="" id="{2A607E6C-5F99-4460-A7E3-503792842044}"/>
               </a:ext>
             </a:extLst>
           </p:cNvPr>
@@ -7197,7 +7484,7 @@
           <p:cNvPr id="107" name="Straight Connector 106">
             <a:extLst>
               <a:ext uri="{FF2B5EF4-FFF2-40B4-BE49-F238E27FC236}">
-                <a16:creationId xmlns:a16="http://schemas.microsoft.com/office/drawing/2014/main" id="{65D76F50-535F-4202-913E-71130EBD32ED}"/>
+                <a16:creationId xmlns:a16="http://schemas.microsoft.com/office/drawing/2014/main" xmlns="" id="{65D76F50-535F-4202-913E-71130EBD32ED}"/>
               </a:ext>
             </a:extLst>
           </p:cNvPr>
@@ -7246,7 +7533,7 @@
           <p:cNvPr id="108" name="TextBox 107">
             <a:extLst>
               <a:ext uri="{FF2B5EF4-FFF2-40B4-BE49-F238E27FC236}">
-                <a16:creationId xmlns:a16="http://schemas.microsoft.com/office/drawing/2014/main" id="{5DC6F877-A07F-4330-B291-D565564AD896}"/>
+                <a16:creationId xmlns:a16="http://schemas.microsoft.com/office/drawing/2014/main" xmlns="" id="{5DC6F877-A07F-4330-B291-D565564AD896}"/>
               </a:ext>
             </a:extLst>
           </p:cNvPr>
@@ -7326,7 +7613,7 @@
           <p:cNvPr id="4" name="TextBox 3">
             <a:extLst>
               <a:ext uri="{FF2B5EF4-FFF2-40B4-BE49-F238E27FC236}">
-                <a16:creationId xmlns:a16="http://schemas.microsoft.com/office/drawing/2014/main" id="{E4A0A0FE-0150-42D9-A1A0-335ED7364F10}"/>
+                <a16:creationId xmlns:a16="http://schemas.microsoft.com/office/drawing/2014/main" xmlns="" id="{E4A0A0FE-0150-42D9-A1A0-335ED7364F10}"/>
               </a:ext>
             </a:extLst>
           </p:cNvPr>
@@ -7370,7 +7657,7 @@
               </a:rPr>
               <a:t> </a:t>
             </a:r>
-            <a:endParaRPr lang="en-CY" sz="5400" dirty="0">
+            <a:endParaRPr lang="x-none" sz="5400" dirty="0">
               <a:latin typeface="Calibri" panose="020F0502020204030204" pitchFamily="34" charset="0"/>
               <a:cs typeface="Calibri" panose="020F0502020204030204" pitchFamily="34" charset="0"/>
             </a:endParaRPr>
@@ -7382,7 +7669,7 @@
           <p:cNvPr id="15" name="TextBox 14">
             <a:extLst>
               <a:ext uri="{FF2B5EF4-FFF2-40B4-BE49-F238E27FC236}">
-                <a16:creationId xmlns:a16="http://schemas.microsoft.com/office/drawing/2014/main" id="{81E5529D-4326-455B-A85E-2F4C9A9B563B}"/>
+                <a16:creationId xmlns:a16="http://schemas.microsoft.com/office/drawing/2014/main" xmlns="" id="{81E5529D-4326-455B-A85E-2F4C9A9B563B}"/>
               </a:ext>
             </a:extLst>
           </p:cNvPr>
@@ -7412,7 +7699,7 @@
               </a:rPr>
               <a:t>Panicos</a:t>
             </a:r>
-            <a:endParaRPr lang="en-CY" dirty="0">
+            <a:endParaRPr lang="x-none" dirty="0">
               <a:latin typeface="Calibri" panose="020F0502020204030204" pitchFamily="34" charset="0"/>
               <a:cs typeface="Calibri" panose="020F0502020204030204" pitchFamily="34" charset="0"/>
             </a:endParaRPr>
@@ -7424,7 +7711,7 @@
           <p:cNvPr id="22" name="Connector: Curved 21">
             <a:extLst>
               <a:ext uri="{FF2B5EF4-FFF2-40B4-BE49-F238E27FC236}">
-                <a16:creationId xmlns:a16="http://schemas.microsoft.com/office/drawing/2014/main" id="{0F2CB940-3013-4A3D-A482-FD2250B3EEF6}"/>
+                <a16:creationId xmlns:a16="http://schemas.microsoft.com/office/drawing/2014/main" xmlns="" id="{0F2CB940-3013-4A3D-A482-FD2250B3EEF6}"/>
               </a:ext>
             </a:extLst>
           </p:cNvPr>
@@ -7465,7 +7752,7 @@
           <p:cNvPr id="29" name="TextBox 28">
             <a:extLst>
               <a:ext uri="{FF2B5EF4-FFF2-40B4-BE49-F238E27FC236}">
-                <a16:creationId xmlns:a16="http://schemas.microsoft.com/office/drawing/2014/main" id="{39C960E6-9997-487F-B361-3927FB8A9D27}"/>
+                <a16:creationId xmlns:a16="http://schemas.microsoft.com/office/drawing/2014/main" xmlns="" id="{39C960E6-9997-487F-B361-3927FB8A9D27}"/>
               </a:ext>
             </a:extLst>
           </p:cNvPr>
@@ -7564,7 +7851,7 @@
               <a:buFont typeface="Arial" panose="020B0604020202020204" pitchFamily="34" charset="0"/>
               <a:buChar char="•"/>
             </a:pPr>
-            <a:endParaRPr lang="en-CY" sz="1400" dirty="0"/>
+            <a:endParaRPr lang="x-none" sz="1400" dirty="0"/>
           </a:p>
         </p:txBody>
       </p:sp>
@@ -7573,7 +7860,7 @@
           <p:cNvPr id="33" name="TextBox 32">
             <a:extLst>
               <a:ext uri="{FF2B5EF4-FFF2-40B4-BE49-F238E27FC236}">
-                <a16:creationId xmlns:a16="http://schemas.microsoft.com/office/drawing/2014/main" id="{9A1E2CF3-F0F7-452F-AE5D-FD64B47135CD}"/>
+                <a16:creationId xmlns:a16="http://schemas.microsoft.com/office/drawing/2014/main" xmlns="" id="{9A1E2CF3-F0F7-452F-AE5D-FD64B47135CD}"/>
               </a:ext>
             </a:extLst>
           </p:cNvPr>
@@ -7659,7 +7946,7 @@
               <a:buFont typeface="Arial" panose="020B0604020202020204" pitchFamily="34" charset="0"/>
               <a:buChar char="•"/>
             </a:pPr>
-            <a:endParaRPr lang="en-CY" sz="1400" dirty="0"/>
+            <a:endParaRPr lang="x-none" sz="1400" dirty="0"/>
           </a:p>
         </p:txBody>
       </p:sp>
@@ -7668,7 +7955,7 @@
           <p:cNvPr id="38" name="TextBox 37">
             <a:extLst>
               <a:ext uri="{FF2B5EF4-FFF2-40B4-BE49-F238E27FC236}">
-                <a16:creationId xmlns:a16="http://schemas.microsoft.com/office/drawing/2014/main" id="{246EE84F-8A27-4CA3-B801-59F7FFD49CF8}"/>
+                <a16:creationId xmlns:a16="http://schemas.microsoft.com/office/drawing/2014/main" xmlns="" id="{246EE84F-8A27-4CA3-B801-59F7FFD49CF8}"/>
               </a:ext>
             </a:extLst>
           </p:cNvPr>
@@ -7706,7 +7993,7 @@
           <p:cNvPr id="56" name="Rectangle: Rounded Corners 55">
             <a:extLst>
               <a:ext uri="{FF2B5EF4-FFF2-40B4-BE49-F238E27FC236}">
-                <a16:creationId xmlns:a16="http://schemas.microsoft.com/office/drawing/2014/main" id="{68149660-3911-435C-A996-4C33792BD0BB}"/>
+                <a16:creationId xmlns:a16="http://schemas.microsoft.com/office/drawing/2014/main" xmlns="" id="{68149660-3911-435C-A996-4C33792BD0BB}"/>
               </a:ext>
             </a:extLst>
           </p:cNvPr>
@@ -7778,7 +8065,7 @@
           <p:cNvPr id="57" name="Rectangle: Rounded Corners 56">
             <a:extLst>
               <a:ext uri="{FF2B5EF4-FFF2-40B4-BE49-F238E27FC236}">
-                <a16:creationId xmlns:a16="http://schemas.microsoft.com/office/drawing/2014/main" id="{173D66CD-96F1-4B66-92EF-9BD4A9859C56}"/>
+                <a16:creationId xmlns:a16="http://schemas.microsoft.com/office/drawing/2014/main" xmlns="" id="{173D66CD-96F1-4B66-92EF-9BD4A9859C56}"/>
               </a:ext>
             </a:extLst>
           </p:cNvPr>
@@ -7848,7 +8135,7 @@
           <p:cNvPr id="58" name="TextBox 57">
             <a:extLst>
               <a:ext uri="{FF2B5EF4-FFF2-40B4-BE49-F238E27FC236}">
-                <a16:creationId xmlns:a16="http://schemas.microsoft.com/office/drawing/2014/main" id="{49AF021A-7E74-4A5B-A610-DE2E317210D0}"/>
+                <a16:creationId xmlns:a16="http://schemas.microsoft.com/office/drawing/2014/main" xmlns="" id="{49AF021A-7E74-4A5B-A610-DE2E317210D0}"/>
               </a:ext>
             </a:extLst>
           </p:cNvPr>
@@ -7919,7 +8206,7 @@
           <p:cNvPr id="59" name="Rectangle: Rounded Corners 58">
             <a:extLst>
               <a:ext uri="{FF2B5EF4-FFF2-40B4-BE49-F238E27FC236}">
-                <a16:creationId xmlns:a16="http://schemas.microsoft.com/office/drawing/2014/main" id="{107E9430-E349-4AEF-A795-D039FDCCEFBB}"/>
+                <a16:creationId xmlns:a16="http://schemas.microsoft.com/office/drawing/2014/main" xmlns="" id="{107E9430-E349-4AEF-A795-D039FDCCEFBB}"/>
               </a:ext>
             </a:extLst>
           </p:cNvPr>
@@ -7994,7 +8281,7 @@
           <p:cNvPr id="60" name="Picture 59">
             <a:extLst>
               <a:ext uri="{FF2B5EF4-FFF2-40B4-BE49-F238E27FC236}">
-                <a16:creationId xmlns:a16="http://schemas.microsoft.com/office/drawing/2014/main" id="{1A01293B-3D0D-48F3-A962-B78952BD1E99}"/>
+                <a16:creationId xmlns:a16="http://schemas.microsoft.com/office/drawing/2014/main" xmlns="" id="{1A01293B-3D0D-48F3-A962-B78952BD1E99}"/>
               </a:ext>
             </a:extLst>
           </p:cNvPr>
@@ -8024,7 +8311,7 @@
           <p:cNvPr id="61" name="TextBox 60">
             <a:extLst>
               <a:ext uri="{FF2B5EF4-FFF2-40B4-BE49-F238E27FC236}">
-                <a16:creationId xmlns:a16="http://schemas.microsoft.com/office/drawing/2014/main" id="{AC87C8A9-E4A2-44A2-81AD-DC26ED88B222}"/>
+                <a16:creationId xmlns:a16="http://schemas.microsoft.com/office/drawing/2014/main" xmlns="" id="{AC87C8A9-E4A2-44A2-81AD-DC26ED88B222}"/>
               </a:ext>
             </a:extLst>
           </p:cNvPr>
@@ -8115,7 +8402,7 @@
           <p:cNvPr id="62" name="Rectangle: Rounded Corners 61">
             <a:extLst>
               <a:ext uri="{FF2B5EF4-FFF2-40B4-BE49-F238E27FC236}">
-                <a16:creationId xmlns:a16="http://schemas.microsoft.com/office/drawing/2014/main" id="{515A54E9-3245-44F3-A6AB-66C605B891E6}"/>
+                <a16:creationId xmlns:a16="http://schemas.microsoft.com/office/drawing/2014/main" xmlns="" id="{515A54E9-3245-44F3-A6AB-66C605B891E6}"/>
               </a:ext>
             </a:extLst>
           </p:cNvPr>
@@ -8187,7 +8474,7 @@
           <p:cNvPr id="3" name="TextBox 2">
             <a:extLst>
               <a:ext uri="{FF2B5EF4-FFF2-40B4-BE49-F238E27FC236}">
-                <a16:creationId xmlns:a16="http://schemas.microsoft.com/office/drawing/2014/main" id="{064D7B70-5E95-4799-948B-D1DA0A028DDE}"/>
+                <a16:creationId xmlns:a16="http://schemas.microsoft.com/office/drawing/2014/main" xmlns="" id="{064D7B70-5E95-4799-948B-D1DA0A028DDE}"/>
               </a:ext>
             </a:extLst>
           </p:cNvPr>
@@ -8225,7 +8512,7 @@
           <p:cNvPr id="77" name="Rectangle: Rounded Corners 76">
             <a:extLst>
               <a:ext uri="{FF2B5EF4-FFF2-40B4-BE49-F238E27FC236}">
-                <a16:creationId xmlns:a16="http://schemas.microsoft.com/office/drawing/2014/main" id="{DD802C83-D597-4D14-9D8D-C793AF2A87FB}"/>
+                <a16:creationId xmlns:a16="http://schemas.microsoft.com/office/drawing/2014/main" xmlns="" id="{DD802C83-D597-4D14-9D8D-C793AF2A87FB}"/>
               </a:ext>
             </a:extLst>
           </p:cNvPr>
@@ -8295,7 +8582,7 @@
           <p:cNvPr id="78" name="Rectangle: Rounded Corners 77">
             <a:extLst>
               <a:ext uri="{FF2B5EF4-FFF2-40B4-BE49-F238E27FC236}">
-                <a16:creationId xmlns:a16="http://schemas.microsoft.com/office/drawing/2014/main" id="{AA9C1257-451E-498F-A02C-4CBC1D71270A}"/>
+                <a16:creationId xmlns:a16="http://schemas.microsoft.com/office/drawing/2014/main" xmlns="" id="{AA9C1257-451E-498F-A02C-4CBC1D71270A}"/>
               </a:ext>
             </a:extLst>
           </p:cNvPr>
@@ -8370,7 +8657,7 @@
           <p:cNvPr id="79" name="TextBox 78">
             <a:extLst>
               <a:ext uri="{FF2B5EF4-FFF2-40B4-BE49-F238E27FC236}">
-                <a16:creationId xmlns:a16="http://schemas.microsoft.com/office/drawing/2014/main" id="{AF6D3B86-52CF-4CA4-9CF1-F3898BCBBF57}"/>
+                <a16:creationId xmlns:a16="http://schemas.microsoft.com/office/drawing/2014/main" xmlns="" id="{AF6D3B86-52CF-4CA4-9CF1-F3898BCBBF57}"/>
               </a:ext>
             </a:extLst>
           </p:cNvPr>
@@ -8418,7 +8705,7 @@
           <p:cNvPr id="80" name="Straight Connector 79">
             <a:extLst>
               <a:ext uri="{FF2B5EF4-FFF2-40B4-BE49-F238E27FC236}">
-                <a16:creationId xmlns:a16="http://schemas.microsoft.com/office/drawing/2014/main" id="{F94C2E1D-353C-4202-AD06-9AC44E32AE25}"/>
+                <a16:creationId xmlns:a16="http://schemas.microsoft.com/office/drawing/2014/main" xmlns="" id="{F94C2E1D-353C-4202-AD06-9AC44E32AE25}"/>
               </a:ext>
             </a:extLst>
           </p:cNvPr>
@@ -8452,7 +8739,7 @@
           <p:cNvPr id="81" name="Straight Connector 80">
             <a:extLst>
               <a:ext uri="{FF2B5EF4-FFF2-40B4-BE49-F238E27FC236}">
-                <a16:creationId xmlns:a16="http://schemas.microsoft.com/office/drawing/2014/main" id="{8744D808-131B-484A-B032-807FC4FCC1C5}"/>
+                <a16:creationId xmlns:a16="http://schemas.microsoft.com/office/drawing/2014/main" xmlns="" id="{8744D808-131B-484A-B032-807FC4FCC1C5}"/>
               </a:ext>
             </a:extLst>
           </p:cNvPr>
@@ -8483,7 +8770,7 @@
           <p:cNvPr id="82" name="Straight Connector 81">
             <a:extLst>
               <a:ext uri="{FF2B5EF4-FFF2-40B4-BE49-F238E27FC236}">
-                <a16:creationId xmlns:a16="http://schemas.microsoft.com/office/drawing/2014/main" id="{62317A7F-E764-494B-90A3-E42ACA091E68}"/>
+                <a16:creationId xmlns:a16="http://schemas.microsoft.com/office/drawing/2014/main" xmlns="" id="{62317A7F-E764-494B-90A3-E42ACA091E68}"/>
               </a:ext>
             </a:extLst>
           </p:cNvPr>
@@ -8514,7 +8801,7 @@
           <p:cNvPr id="83" name="Rectangle: Rounded Corners 82">
             <a:extLst>
               <a:ext uri="{FF2B5EF4-FFF2-40B4-BE49-F238E27FC236}">
-                <a16:creationId xmlns:a16="http://schemas.microsoft.com/office/drawing/2014/main" id="{5FA988DC-BF95-4BF9-9919-53E5DDFD39D1}"/>
+                <a16:creationId xmlns:a16="http://schemas.microsoft.com/office/drawing/2014/main" xmlns="" id="{5FA988DC-BF95-4BF9-9919-53E5DDFD39D1}"/>
               </a:ext>
             </a:extLst>
           </p:cNvPr>
@@ -8603,7 +8890,7 @@
           <p:cNvPr id="105" name="Connector: Curved 104">
             <a:extLst>
               <a:ext uri="{FF2B5EF4-FFF2-40B4-BE49-F238E27FC236}">
-                <a16:creationId xmlns:a16="http://schemas.microsoft.com/office/drawing/2014/main" id="{2A607E6C-5F99-4460-A7E3-503792842044}"/>
+                <a16:creationId xmlns:a16="http://schemas.microsoft.com/office/drawing/2014/main" xmlns="" id="{2A607E6C-5F99-4460-A7E3-503792842044}"/>
               </a:ext>
             </a:extLst>
           </p:cNvPr>
@@ -8644,7 +8931,7 @@
           <p:cNvPr id="32" name="Rectangle: Rounded Corners 31">
             <a:extLst>
               <a:ext uri="{FF2B5EF4-FFF2-40B4-BE49-F238E27FC236}">
-                <a16:creationId xmlns:a16="http://schemas.microsoft.com/office/drawing/2014/main" id="{E95ED114-728D-40D2-9BEE-D83AB7AA82E8}"/>
+                <a16:creationId xmlns:a16="http://schemas.microsoft.com/office/drawing/2014/main" xmlns="" id="{E95ED114-728D-40D2-9BEE-D83AB7AA82E8}"/>
               </a:ext>
             </a:extLst>
           </p:cNvPr>
@@ -8691,7 +8978,7 @@
           <p:cNvPr id="34" name="Rectangle: Rounded Corners 33">
             <a:extLst>
               <a:ext uri="{FF2B5EF4-FFF2-40B4-BE49-F238E27FC236}">
-                <a16:creationId xmlns:a16="http://schemas.microsoft.com/office/drawing/2014/main" id="{DE5AD21A-516C-407D-8BAD-F73DFD37BE7F}"/>
+                <a16:creationId xmlns:a16="http://schemas.microsoft.com/office/drawing/2014/main" xmlns="" id="{DE5AD21A-516C-407D-8BAD-F73DFD37BE7F}"/>
               </a:ext>
             </a:extLst>
           </p:cNvPr>
@@ -8735,7 +9022,7 @@
           <p:cNvPr id="35" name="TextBox 34">
             <a:extLst>
               <a:ext uri="{FF2B5EF4-FFF2-40B4-BE49-F238E27FC236}">
-                <a16:creationId xmlns:a16="http://schemas.microsoft.com/office/drawing/2014/main" id="{7637726F-B87D-4C1D-A043-F491343E6097}"/>
+                <a16:creationId xmlns:a16="http://schemas.microsoft.com/office/drawing/2014/main" xmlns="" id="{7637726F-B87D-4C1D-A043-F491343E6097}"/>
               </a:ext>
             </a:extLst>
           </p:cNvPr>
@@ -8796,7 +9083,7 @@
           <p:cNvPr id="36" name="TextBox 35">
             <a:extLst>
               <a:ext uri="{FF2B5EF4-FFF2-40B4-BE49-F238E27FC236}">
-                <a16:creationId xmlns:a16="http://schemas.microsoft.com/office/drawing/2014/main" id="{83BBFB66-56F1-4CD4-A9C4-92E3729B8B7A}"/>
+                <a16:creationId xmlns:a16="http://schemas.microsoft.com/office/drawing/2014/main" xmlns="" id="{83BBFB66-56F1-4CD4-A9C4-92E3729B8B7A}"/>
               </a:ext>
             </a:extLst>
           </p:cNvPr>
@@ -8870,7 +9157,7 @@
           <p:cNvPr id="37" name="TextBox 36">
             <a:extLst>
               <a:ext uri="{FF2B5EF4-FFF2-40B4-BE49-F238E27FC236}">
-                <a16:creationId xmlns:a16="http://schemas.microsoft.com/office/drawing/2014/main" id="{04426D24-9855-470D-A3F5-61C5028DAC73}"/>
+                <a16:creationId xmlns:a16="http://schemas.microsoft.com/office/drawing/2014/main" xmlns="" id="{04426D24-9855-470D-A3F5-61C5028DAC73}"/>
               </a:ext>
             </a:extLst>
           </p:cNvPr>
@@ -8925,7 +9212,7 @@
           <p:cNvPr id="39" name="Rectangle: Rounded Corners 38">
             <a:extLst>
               <a:ext uri="{FF2B5EF4-FFF2-40B4-BE49-F238E27FC236}">
-                <a16:creationId xmlns:a16="http://schemas.microsoft.com/office/drawing/2014/main" id="{2CB2D8C8-03F5-4153-840C-36DC30945632}"/>
+                <a16:creationId xmlns:a16="http://schemas.microsoft.com/office/drawing/2014/main" xmlns="" id="{2CB2D8C8-03F5-4153-840C-36DC30945632}"/>
               </a:ext>
             </a:extLst>
           </p:cNvPr>
@@ -8997,7 +9284,7 @@
           <p:cNvPr id="40" name="Rectangle: Rounded Corners 39">
             <a:extLst>
               <a:ext uri="{FF2B5EF4-FFF2-40B4-BE49-F238E27FC236}">
-                <a16:creationId xmlns:a16="http://schemas.microsoft.com/office/drawing/2014/main" id="{8940F90D-3BEF-4567-9754-96A12DF5C4B4}"/>
+                <a16:creationId xmlns:a16="http://schemas.microsoft.com/office/drawing/2014/main" xmlns="" id="{8940F90D-3BEF-4567-9754-96A12DF5C4B4}"/>
               </a:ext>
             </a:extLst>
           </p:cNvPr>
@@ -9067,7 +9354,7 @@
           <p:cNvPr id="41" name="TextBox 40">
             <a:extLst>
               <a:ext uri="{FF2B5EF4-FFF2-40B4-BE49-F238E27FC236}">
-                <a16:creationId xmlns:a16="http://schemas.microsoft.com/office/drawing/2014/main" id="{E4375660-BD67-44A9-BC4F-6C224AD10ED9}"/>
+                <a16:creationId xmlns:a16="http://schemas.microsoft.com/office/drawing/2014/main" xmlns="" id="{E4375660-BD67-44A9-BC4F-6C224AD10ED9}"/>
               </a:ext>
             </a:extLst>
           </p:cNvPr>
@@ -9138,7 +9425,7 @@
           <p:cNvPr id="42" name="TextBox 41">
             <a:extLst>
               <a:ext uri="{FF2B5EF4-FFF2-40B4-BE49-F238E27FC236}">
-                <a16:creationId xmlns:a16="http://schemas.microsoft.com/office/drawing/2014/main" id="{E0D5CF89-116E-48B3-B7FC-BD4C21661909}"/>
+                <a16:creationId xmlns:a16="http://schemas.microsoft.com/office/drawing/2014/main" xmlns="" id="{E0D5CF89-116E-48B3-B7FC-BD4C21661909}"/>
               </a:ext>
             </a:extLst>
           </p:cNvPr>
@@ -9245,7 +9532,7 @@
           <p:cNvPr id="43" name="TextBox 42">
             <a:extLst>
               <a:ext uri="{FF2B5EF4-FFF2-40B4-BE49-F238E27FC236}">
-                <a16:creationId xmlns:a16="http://schemas.microsoft.com/office/drawing/2014/main" id="{FB4B3957-5AC1-45A7-9FD2-96C9ABA8F90C}"/>
+                <a16:creationId xmlns:a16="http://schemas.microsoft.com/office/drawing/2014/main" xmlns="" id="{FB4B3957-5AC1-45A7-9FD2-96C9ABA8F90C}"/>
               </a:ext>
             </a:extLst>
           </p:cNvPr>
@@ -9300,7 +9587,7 @@
           <p:cNvPr id="44" name="Rectangle: Rounded Corners 43">
             <a:extLst>
               <a:ext uri="{FF2B5EF4-FFF2-40B4-BE49-F238E27FC236}">
-                <a16:creationId xmlns:a16="http://schemas.microsoft.com/office/drawing/2014/main" id="{E13D5A0C-F95A-4BA3-9577-8DFF2CC697B0}"/>
+                <a16:creationId xmlns:a16="http://schemas.microsoft.com/office/drawing/2014/main" xmlns="" id="{E13D5A0C-F95A-4BA3-9577-8DFF2CC697B0}"/>
               </a:ext>
             </a:extLst>
           </p:cNvPr>
@@ -9372,7 +9659,7 @@
           <p:cNvPr id="45" name="Rectangle: Rounded Corners 44">
             <a:extLst>
               <a:ext uri="{FF2B5EF4-FFF2-40B4-BE49-F238E27FC236}">
-                <a16:creationId xmlns:a16="http://schemas.microsoft.com/office/drawing/2014/main" id="{CE701952-72CE-4A89-9970-E1F5BDB2BCB2}"/>
+                <a16:creationId xmlns:a16="http://schemas.microsoft.com/office/drawing/2014/main" xmlns="" id="{CE701952-72CE-4A89-9970-E1F5BDB2BCB2}"/>
               </a:ext>
             </a:extLst>
           </p:cNvPr>
@@ -9442,7 +9729,7 @@
           <p:cNvPr id="46" name="TextBox 45">
             <a:extLst>
               <a:ext uri="{FF2B5EF4-FFF2-40B4-BE49-F238E27FC236}">
-                <a16:creationId xmlns:a16="http://schemas.microsoft.com/office/drawing/2014/main" id="{B84B7ECE-E2F6-4751-953D-F5AB0A7B9704}"/>
+                <a16:creationId xmlns:a16="http://schemas.microsoft.com/office/drawing/2014/main" xmlns="" id="{B84B7ECE-E2F6-4751-953D-F5AB0A7B9704}"/>
               </a:ext>
             </a:extLst>
           </p:cNvPr>
@@ -9513,7 +9800,7 @@
           <p:cNvPr id="47" name="Rectangle: Rounded Corners 46">
             <a:extLst>
               <a:ext uri="{FF2B5EF4-FFF2-40B4-BE49-F238E27FC236}">
-                <a16:creationId xmlns:a16="http://schemas.microsoft.com/office/drawing/2014/main" id="{B9F66433-83DC-4E29-8E38-0B11A1B73B59}"/>
+                <a16:creationId xmlns:a16="http://schemas.microsoft.com/office/drawing/2014/main" xmlns="" id="{B9F66433-83DC-4E29-8E38-0B11A1B73B59}"/>
               </a:ext>
             </a:extLst>
           </p:cNvPr>
@@ -9588,7 +9875,7 @@
           <p:cNvPr id="48" name="TextBox 47">
             <a:extLst>
               <a:ext uri="{FF2B5EF4-FFF2-40B4-BE49-F238E27FC236}">
-                <a16:creationId xmlns:a16="http://schemas.microsoft.com/office/drawing/2014/main" id="{6100F4B9-F363-4350-83BC-4D220C7814FD}"/>
+                <a16:creationId xmlns:a16="http://schemas.microsoft.com/office/drawing/2014/main" xmlns="" id="{6100F4B9-F363-4350-83BC-4D220C7814FD}"/>
               </a:ext>
             </a:extLst>
           </p:cNvPr>
@@ -9650,7 +9937,7 @@
           <p:cNvPr id="49" name="TextBox 48">
             <a:extLst>
               <a:ext uri="{FF2B5EF4-FFF2-40B4-BE49-F238E27FC236}">
-                <a16:creationId xmlns:a16="http://schemas.microsoft.com/office/drawing/2014/main" id="{01249D4A-F2AF-48A4-93AC-E9DF2CBE4747}"/>
+                <a16:creationId xmlns:a16="http://schemas.microsoft.com/office/drawing/2014/main" xmlns="" id="{01249D4A-F2AF-48A4-93AC-E9DF2CBE4747}"/>
               </a:ext>
             </a:extLst>
           </p:cNvPr>
@@ -9757,7 +10044,7 @@
           <p:cNvPr id="50" name="Rectangle: Rounded Corners 49">
             <a:extLst>
               <a:ext uri="{FF2B5EF4-FFF2-40B4-BE49-F238E27FC236}">
-                <a16:creationId xmlns:a16="http://schemas.microsoft.com/office/drawing/2014/main" id="{97AE84EE-3553-4721-8B2D-6EBF96EED051}"/>
+                <a16:creationId xmlns:a16="http://schemas.microsoft.com/office/drawing/2014/main" xmlns="" id="{97AE84EE-3553-4721-8B2D-6EBF96EED051}"/>
               </a:ext>
             </a:extLst>
           </p:cNvPr>
@@ -9834,7 +10121,7 @@
           <p:cNvPr id="51" name="Straight Connector 50">
             <a:extLst>
               <a:ext uri="{FF2B5EF4-FFF2-40B4-BE49-F238E27FC236}">
-                <a16:creationId xmlns:a16="http://schemas.microsoft.com/office/drawing/2014/main" id="{865DE502-B786-4707-818D-D22C1B6A6800}"/>
+                <a16:creationId xmlns:a16="http://schemas.microsoft.com/office/drawing/2014/main" xmlns="" id="{865DE502-B786-4707-818D-D22C1B6A6800}"/>
               </a:ext>
             </a:extLst>
           </p:cNvPr>
@@ -9925,7 +10212,7 @@
           <p:cNvPr id="4" name="TextBox 3">
             <a:extLst>
               <a:ext uri="{FF2B5EF4-FFF2-40B4-BE49-F238E27FC236}">
-                <a16:creationId xmlns:a16="http://schemas.microsoft.com/office/drawing/2014/main" id="{E4A0A0FE-0150-42D9-A1A0-335ED7364F10}"/>
+                <a16:creationId xmlns:a16="http://schemas.microsoft.com/office/drawing/2014/main" xmlns="" id="{E4A0A0FE-0150-42D9-A1A0-335ED7364F10}"/>
               </a:ext>
             </a:extLst>
           </p:cNvPr>
@@ -9969,7 +10256,7 @@
               </a:rPr>
               <a:t> </a:t>
             </a:r>
-            <a:endParaRPr lang="en-CY" sz="5400" dirty="0">
+            <a:endParaRPr lang="x-none" sz="5400" dirty="0">
               <a:latin typeface="Calibri" panose="020F0502020204030204" pitchFamily="34" charset="0"/>
               <a:cs typeface="Calibri" panose="020F0502020204030204" pitchFamily="34" charset="0"/>
             </a:endParaRPr>
@@ -9981,7 +10268,7 @@
           <p:cNvPr id="15" name="TextBox 14">
             <a:extLst>
               <a:ext uri="{FF2B5EF4-FFF2-40B4-BE49-F238E27FC236}">
-                <a16:creationId xmlns:a16="http://schemas.microsoft.com/office/drawing/2014/main" id="{81E5529D-4326-455B-A85E-2F4C9A9B563B}"/>
+                <a16:creationId xmlns:a16="http://schemas.microsoft.com/office/drawing/2014/main" xmlns="" id="{81E5529D-4326-455B-A85E-2F4C9A9B563B}"/>
               </a:ext>
             </a:extLst>
           </p:cNvPr>
@@ -10032,7 +10319,7 @@
               </a:rPr>
               <a:t>Panicos</a:t>
             </a:r>
-            <a:endParaRPr lang="en-CY" dirty="0">
+            <a:endParaRPr lang="x-none" dirty="0">
               <a:latin typeface="Calibri" panose="020F0502020204030204" pitchFamily="34" charset="0"/>
               <a:cs typeface="Calibri" panose="020F0502020204030204" pitchFamily="34" charset="0"/>
             </a:endParaRPr>
@@ -10044,7 +10331,7 @@
           <p:cNvPr id="22" name="Connector: Curved 21">
             <a:extLst>
               <a:ext uri="{FF2B5EF4-FFF2-40B4-BE49-F238E27FC236}">
-                <a16:creationId xmlns:a16="http://schemas.microsoft.com/office/drawing/2014/main" id="{0F2CB940-3013-4A3D-A482-FD2250B3EEF6}"/>
+                <a16:creationId xmlns:a16="http://schemas.microsoft.com/office/drawing/2014/main" xmlns="" id="{0F2CB940-3013-4A3D-A482-FD2250B3EEF6}"/>
               </a:ext>
             </a:extLst>
           </p:cNvPr>
@@ -10090,7 +10377,7 @@
           <p:cNvPr id="29" name="TextBox 28">
             <a:extLst>
               <a:ext uri="{FF2B5EF4-FFF2-40B4-BE49-F238E27FC236}">
-                <a16:creationId xmlns:a16="http://schemas.microsoft.com/office/drawing/2014/main" id="{39C960E6-9997-487F-B361-3927FB8A9D27}"/>
+                <a16:creationId xmlns:a16="http://schemas.microsoft.com/office/drawing/2014/main" xmlns="" id="{39C960E6-9997-487F-B361-3927FB8A9D27}"/>
               </a:ext>
             </a:extLst>
           </p:cNvPr>
@@ -10210,7 +10497,7 @@
               <a:buFont typeface="Arial" panose="020B0604020202020204" pitchFamily="34" charset="0"/>
               <a:buChar char="•"/>
             </a:pPr>
-            <a:endParaRPr lang="en-CY" sz="1400" dirty="0"/>
+            <a:endParaRPr lang="x-none" sz="1400" dirty="0"/>
           </a:p>
         </p:txBody>
       </p:sp>
@@ -10219,7 +10506,7 @@
           <p:cNvPr id="33" name="TextBox 32">
             <a:extLst>
               <a:ext uri="{FF2B5EF4-FFF2-40B4-BE49-F238E27FC236}">
-                <a16:creationId xmlns:a16="http://schemas.microsoft.com/office/drawing/2014/main" id="{9A1E2CF3-F0F7-452F-AE5D-FD64B47135CD}"/>
+                <a16:creationId xmlns:a16="http://schemas.microsoft.com/office/drawing/2014/main" xmlns="" id="{9A1E2CF3-F0F7-452F-AE5D-FD64B47135CD}"/>
               </a:ext>
             </a:extLst>
           </p:cNvPr>
@@ -10327,7 +10614,7 @@
               <a:buFont typeface="Arial" panose="020B0604020202020204" pitchFamily="34" charset="0"/>
               <a:buChar char="•"/>
             </a:pPr>
-            <a:endParaRPr lang="en-CY" sz="1400" dirty="0"/>
+            <a:endParaRPr lang="x-none" sz="1400" dirty="0"/>
           </a:p>
         </p:txBody>
       </p:sp>
@@ -10336,7 +10623,7 @@
           <p:cNvPr id="38" name="TextBox 37">
             <a:extLst>
               <a:ext uri="{FF2B5EF4-FFF2-40B4-BE49-F238E27FC236}">
-                <a16:creationId xmlns:a16="http://schemas.microsoft.com/office/drawing/2014/main" id="{246EE84F-8A27-4CA3-B801-59F7FFD49CF8}"/>
+                <a16:creationId xmlns:a16="http://schemas.microsoft.com/office/drawing/2014/main" xmlns="" id="{246EE84F-8A27-4CA3-B801-59F7FFD49CF8}"/>
               </a:ext>
             </a:extLst>
           </p:cNvPr>
@@ -10395,7 +10682,7 @@
           <p:cNvPr id="56" name="Rectangle: Rounded Corners 55">
             <a:extLst>
               <a:ext uri="{FF2B5EF4-FFF2-40B4-BE49-F238E27FC236}">
-                <a16:creationId xmlns:a16="http://schemas.microsoft.com/office/drawing/2014/main" id="{68149660-3911-435C-A996-4C33792BD0BB}"/>
+                <a16:creationId xmlns:a16="http://schemas.microsoft.com/office/drawing/2014/main" xmlns="" id="{68149660-3911-435C-A996-4C33792BD0BB}"/>
               </a:ext>
             </a:extLst>
           </p:cNvPr>
@@ -10467,7 +10754,7 @@
           <p:cNvPr id="57" name="Rectangle: Rounded Corners 56">
             <a:extLst>
               <a:ext uri="{FF2B5EF4-FFF2-40B4-BE49-F238E27FC236}">
-                <a16:creationId xmlns:a16="http://schemas.microsoft.com/office/drawing/2014/main" id="{173D66CD-96F1-4B66-92EF-9BD4A9859C56}"/>
+                <a16:creationId xmlns:a16="http://schemas.microsoft.com/office/drawing/2014/main" xmlns="" id="{173D66CD-96F1-4B66-92EF-9BD4A9859C56}"/>
               </a:ext>
             </a:extLst>
           </p:cNvPr>
@@ -10537,7 +10824,7 @@
           <p:cNvPr id="58" name="TextBox 57">
             <a:extLst>
               <a:ext uri="{FF2B5EF4-FFF2-40B4-BE49-F238E27FC236}">
-                <a16:creationId xmlns:a16="http://schemas.microsoft.com/office/drawing/2014/main" id="{49AF021A-7E74-4A5B-A610-DE2E317210D0}"/>
+                <a16:creationId xmlns:a16="http://schemas.microsoft.com/office/drawing/2014/main" xmlns="" id="{49AF021A-7E74-4A5B-A610-DE2E317210D0}"/>
               </a:ext>
             </a:extLst>
           </p:cNvPr>
@@ -10608,7 +10895,7 @@
           <p:cNvPr id="59" name="Rectangle: Rounded Corners 58">
             <a:extLst>
               <a:ext uri="{FF2B5EF4-FFF2-40B4-BE49-F238E27FC236}">
-                <a16:creationId xmlns:a16="http://schemas.microsoft.com/office/drawing/2014/main" id="{107E9430-E349-4AEF-A795-D039FDCCEFBB}"/>
+                <a16:creationId xmlns:a16="http://schemas.microsoft.com/office/drawing/2014/main" xmlns="" id="{107E9430-E349-4AEF-A795-D039FDCCEFBB}"/>
               </a:ext>
             </a:extLst>
           </p:cNvPr>
@@ -10683,7 +10970,7 @@
           <p:cNvPr id="60" name="Picture 59">
             <a:extLst>
               <a:ext uri="{FF2B5EF4-FFF2-40B4-BE49-F238E27FC236}">
-                <a16:creationId xmlns:a16="http://schemas.microsoft.com/office/drawing/2014/main" id="{1A01293B-3D0D-48F3-A962-B78952BD1E99}"/>
+                <a16:creationId xmlns:a16="http://schemas.microsoft.com/office/drawing/2014/main" xmlns="" id="{1A01293B-3D0D-48F3-A962-B78952BD1E99}"/>
               </a:ext>
             </a:extLst>
           </p:cNvPr>
@@ -10713,7 +11000,7 @@
           <p:cNvPr id="61" name="TextBox 60">
             <a:extLst>
               <a:ext uri="{FF2B5EF4-FFF2-40B4-BE49-F238E27FC236}">
-                <a16:creationId xmlns:a16="http://schemas.microsoft.com/office/drawing/2014/main" id="{AC87C8A9-E4A2-44A2-81AD-DC26ED88B222}"/>
+                <a16:creationId xmlns:a16="http://schemas.microsoft.com/office/drawing/2014/main" xmlns="" id="{AC87C8A9-E4A2-44A2-81AD-DC26ED88B222}"/>
               </a:ext>
             </a:extLst>
           </p:cNvPr>
@@ -10804,7 +11091,7 @@
           <p:cNvPr id="62" name="Rectangle: Rounded Corners 61">
             <a:extLst>
               <a:ext uri="{FF2B5EF4-FFF2-40B4-BE49-F238E27FC236}">
-                <a16:creationId xmlns:a16="http://schemas.microsoft.com/office/drawing/2014/main" id="{515A54E9-3245-44F3-A6AB-66C605B891E6}"/>
+                <a16:creationId xmlns:a16="http://schemas.microsoft.com/office/drawing/2014/main" xmlns="" id="{515A54E9-3245-44F3-A6AB-66C605B891E6}"/>
               </a:ext>
             </a:extLst>
           </p:cNvPr>
@@ -10876,7 +11163,7 @@
           <p:cNvPr id="3" name="TextBox 2">
             <a:extLst>
               <a:ext uri="{FF2B5EF4-FFF2-40B4-BE49-F238E27FC236}">
-                <a16:creationId xmlns:a16="http://schemas.microsoft.com/office/drawing/2014/main" id="{064D7B70-5E95-4799-948B-D1DA0A028DDE}"/>
+                <a16:creationId xmlns:a16="http://schemas.microsoft.com/office/drawing/2014/main" xmlns="" id="{064D7B70-5E95-4799-948B-D1DA0A028DDE}"/>
               </a:ext>
             </a:extLst>
           </p:cNvPr>
@@ -10919,7 +11206,7 @@
           <p:cNvPr id="77" name="Rectangle: Rounded Corners 76">
             <a:extLst>
               <a:ext uri="{FF2B5EF4-FFF2-40B4-BE49-F238E27FC236}">
-                <a16:creationId xmlns:a16="http://schemas.microsoft.com/office/drawing/2014/main" id="{DD802C83-D597-4D14-9D8D-C793AF2A87FB}"/>
+                <a16:creationId xmlns:a16="http://schemas.microsoft.com/office/drawing/2014/main" xmlns="" id="{DD802C83-D597-4D14-9D8D-C793AF2A87FB}"/>
               </a:ext>
             </a:extLst>
           </p:cNvPr>
@@ -10991,7 +11278,7 @@
           <p:cNvPr id="78" name="Rectangle: Rounded Corners 77">
             <a:extLst>
               <a:ext uri="{FF2B5EF4-FFF2-40B4-BE49-F238E27FC236}">
-                <a16:creationId xmlns:a16="http://schemas.microsoft.com/office/drawing/2014/main" id="{AA9C1257-451E-498F-A02C-4CBC1D71270A}"/>
+                <a16:creationId xmlns:a16="http://schemas.microsoft.com/office/drawing/2014/main" xmlns="" id="{AA9C1257-451E-498F-A02C-4CBC1D71270A}"/>
               </a:ext>
             </a:extLst>
           </p:cNvPr>
@@ -11073,7 +11360,7 @@
           <p:cNvPr id="79" name="TextBox 78">
             <a:extLst>
               <a:ext uri="{FF2B5EF4-FFF2-40B4-BE49-F238E27FC236}">
-                <a16:creationId xmlns:a16="http://schemas.microsoft.com/office/drawing/2014/main" id="{AF6D3B86-52CF-4CA4-9CF1-F3898BCBBF57}"/>
+                <a16:creationId xmlns:a16="http://schemas.microsoft.com/office/drawing/2014/main" xmlns="" id="{AF6D3B86-52CF-4CA4-9CF1-F3898BCBBF57}"/>
               </a:ext>
             </a:extLst>
           </p:cNvPr>
@@ -11121,7 +11408,7 @@
           <p:cNvPr id="80" name="Straight Connector 79">
             <a:extLst>
               <a:ext uri="{FF2B5EF4-FFF2-40B4-BE49-F238E27FC236}">
-                <a16:creationId xmlns:a16="http://schemas.microsoft.com/office/drawing/2014/main" id="{F94C2E1D-353C-4202-AD06-9AC44E32AE25}"/>
+                <a16:creationId xmlns:a16="http://schemas.microsoft.com/office/drawing/2014/main" xmlns="" id="{F94C2E1D-353C-4202-AD06-9AC44E32AE25}"/>
               </a:ext>
             </a:extLst>
           </p:cNvPr>
@@ -11155,7 +11442,7 @@
           <p:cNvPr id="81" name="Straight Connector 80">
             <a:extLst>
               <a:ext uri="{FF2B5EF4-FFF2-40B4-BE49-F238E27FC236}">
-                <a16:creationId xmlns:a16="http://schemas.microsoft.com/office/drawing/2014/main" id="{8744D808-131B-484A-B032-807FC4FCC1C5}"/>
+                <a16:creationId xmlns:a16="http://schemas.microsoft.com/office/drawing/2014/main" xmlns="" id="{8744D808-131B-484A-B032-807FC4FCC1C5}"/>
               </a:ext>
             </a:extLst>
           </p:cNvPr>
@@ -11186,7 +11473,7 @@
           <p:cNvPr id="82" name="Straight Connector 81">
             <a:extLst>
               <a:ext uri="{FF2B5EF4-FFF2-40B4-BE49-F238E27FC236}">
-                <a16:creationId xmlns:a16="http://schemas.microsoft.com/office/drawing/2014/main" id="{62317A7F-E764-494B-90A3-E42ACA091E68}"/>
+                <a16:creationId xmlns:a16="http://schemas.microsoft.com/office/drawing/2014/main" xmlns="" id="{62317A7F-E764-494B-90A3-E42ACA091E68}"/>
               </a:ext>
             </a:extLst>
           </p:cNvPr>
@@ -11217,7 +11504,7 @@
           <p:cNvPr id="83" name="Rectangle: Rounded Corners 82">
             <a:extLst>
               <a:ext uri="{FF2B5EF4-FFF2-40B4-BE49-F238E27FC236}">
-                <a16:creationId xmlns:a16="http://schemas.microsoft.com/office/drawing/2014/main" id="{5FA988DC-BF95-4BF9-9919-53E5DDFD39D1}"/>
+                <a16:creationId xmlns:a16="http://schemas.microsoft.com/office/drawing/2014/main" xmlns="" id="{5FA988DC-BF95-4BF9-9919-53E5DDFD39D1}"/>
               </a:ext>
             </a:extLst>
           </p:cNvPr>
@@ -11309,7 +11596,7 @@
           <p:cNvPr id="105" name="Connector: Curved 104">
             <a:extLst>
               <a:ext uri="{FF2B5EF4-FFF2-40B4-BE49-F238E27FC236}">
-                <a16:creationId xmlns:a16="http://schemas.microsoft.com/office/drawing/2014/main" id="{2A607E6C-5F99-4460-A7E3-503792842044}"/>
+                <a16:creationId xmlns:a16="http://schemas.microsoft.com/office/drawing/2014/main" xmlns="" id="{2A607E6C-5F99-4460-A7E3-503792842044}"/>
               </a:ext>
             </a:extLst>
           </p:cNvPr>
@@ -11355,7 +11642,7 @@
           <p:cNvPr id="106" name="Straight Connector 105">
             <a:extLst>
               <a:ext uri="{FF2B5EF4-FFF2-40B4-BE49-F238E27FC236}">
-                <a16:creationId xmlns:a16="http://schemas.microsoft.com/office/drawing/2014/main" id="{87792FE2-6FD0-4462-A498-70FEC3450586}"/>
+                <a16:creationId xmlns:a16="http://schemas.microsoft.com/office/drawing/2014/main" xmlns="" id="{87792FE2-6FD0-4462-A498-70FEC3450586}"/>
               </a:ext>
             </a:extLst>
           </p:cNvPr>
@@ -11404,7 +11691,7 @@
           <p:cNvPr id="32" name="Rectangle: Rounded Corners 31">
             <a:extLst>
               <a:ext uri="{FF2B5EF4-FFF2-40B4-BE49-F238E27FC236}">
-                <a16:creationId xmlns:a16="http://schemas.microsoft.com/office/drawing/2014/main" id="{E95ED114-728D-40D2-9BEE-D83AB7AA82E8}"/>
+                <a16:creationId xmlns:a16="http://schemas.microsoft.com/office/drawing/2014/main" xmlns="" id="{E95ED114-728D-40D2-9BEE-D83AB7AA82E8}"/>
               </a:ext>
             </a:extLst>
           </p:cNvPr>
@@ -11451,7 +11738,7 @@
           <p:cNvPr id="34" name="Rectangle: Rounded Corners 33">
             <a:extLst>
               <a:ext uri="{FF2B5EF4-FFF2-40B4-BE49-F238E27FC236}">
-                <a16:creationId xmlns:a16="http://schemas.microsoft.com/office/drawing/2014/main" id="{DE5AD21A-516C-407D-8BAD-F73DFD37BE7F}"/>
+                <a16:creationId xmlns:a16="http://schemas.microsoft.com/office/drawing/2014/main" xmlns="" id="{DE5AD21A-516C-407D-8BAD-F73DFD37BE7F}"/>
               </a:ext>
             </a:extLst>
           </p:cNvPr>
@@ -11495,7 +11782,7 @@
           <p:cNvPr id="35" name="TextBox 34">
             <a:extLst>
               <a:ext uri="{FF2B5EF4-FFF2-40B4-BE49-F238E27FC236}">
-                <a16:creationId xmlns:a16="http://schemas.microsoft.com/office/drawing/2014/main" id="{7637726F-B87D-4C1D-A043-F491343E6097}"/>
+                <a16:creationId xmlns:a16="http://schemas.microsoft.com/office/drawing/2014/main" xmlns="" id="{7637726F-B87D-4C1D-A043-F491343E6097}"/>
               </a:ext>
             </a:extLst>
           </p:cNvPr>
@@ -11556,7 +11843,7 @@
           <p:cNvPr id="36" name="TextBox 35">
             <a:extLst>
               <a:ext uri="{FF2B5EF4-FFF2-40B4-BE49-F238E27FC236}">
-                <a16:creationId xmlns:a16="http://schemas.microsoft.com/office/drawing/2014/main" id="{83BBFB66-56F1-4CD4-A9C4-92E3729B8B7A}"/>
+                <a16:creationId xmlns:a16="http://schemas.microsoft.com/office/drawing/2014/main" xmlns="" id="{83BBFB66-56F1-4CD4-A9C4-92E3729B8B7A}"/>
               </a:ext>
             </a:extLst>
           </p:cNvPr>
@@ -11630,7 +11917,7 @@
           <p:cNvPr id="37" name="TextBox 36">
             <a:extLst>
               <a:ext uri="{FF2B5EF4-FFF2-40B4-BE49-F238E27FC236}">
-                <a16:creationId xmlns:a16="http://schemas.microsoft.com/office/drawing/2014/main" id="{04426D24-9855-470D-A3F5-61C5028DAC73}"/>
+                <a16:creationId xmlns:a16="http://schemas.microsoft.com/office/drawing/2014/main" xmlns="" id="{04426D24-9855-470D-A3F5-61C5028DAC73}"/>
               </a:ext>
             </a:extLst>
           </p:cNvPr>
@@ -11685,7 +11972,7 @@
           <p:cNvPr id="39" name="Rectangle: Rounded Corners 38">
             <a:extLst>
               <a:ext uri="{FF2B5EF4-FFF2-40B4-BE49-F238E27FC236}">
-                <a16:creationId xmlns:a16="http://schemas.microsoft.com/office/drawing/2014/main" id="{2CB2D8C8-03F5-4153-840C-36DC30945632}"/>
+                <a16:creationId xmlns:a16="http://schemas.microsoft.com/office/drawing/2014/main" xmlns="" id="{2CB2D8C8-03F5-4153-840C-36DC30945632}"/>
               </a:ext>
             </a:extLst>
           </p:cNvPr>
@@ -11757,7 +12044,7 @@
           <p:cNvPr id="40" name="Rectangle: Rounded Corners 39">
             <a:extLst>
               <a:ext uri="{FF2B5EF4-FFF2-40B4-BE49-F238E27FC236}">
-                <a16:creationId xmlns:a16="http://schemas.microsoft.com/office/drawing/2014/main" id="{8940F90D-3BEF-4567-9754-96A12DF5C4B4}"/>
+                <a16:creationId xmlns:a16="http://schemas.microsoft.com/office/drawing/2014/main" xmlns="" id="{8940F90D-3BEF-4567-9754-96A12DF5C4B4}"/>
               </a:ext>
             </a:extLst>
           </p:cNvPr>
@@ -11829,7 +12116,7 @@
           <p:cNvPr id="41" name="TextBox 40">
             <a:extLst>
               <a:ext uri="{FF2B5EF4-FFF2-40B4-BE49-F238E27FC236}">
-                <a16:creationId xmlns:a16="http://schemas.microsoft.com/office/drawing/2014/main" id="{E4375660-BD67-44A9-BC4F-6C224AD10ED9}"/>
+                <a16:creationId xmlns:a16="http://schemas.microsoft.com/office/drawing/2014/main" xmlns="" id="{E4375660-BD67-44A9-BC4F-6C224AD10ED9}"/>
               </a:ext>
             </a:extLst>
           </p:cNvPr>
@@ -11900,7 +12187,7 @@
           <p:cNvPr id="42" name="TextBox 41">
             <a:extLst>
               <a:ext uri="{FF2B5EF4-FFF2-40B4-BE49-F238E27FC236}">
-                <a16:creationId xmlns:a16="http://schemas.microsoft.com/office/drawing/2014/main" id="{E0D5CF89-116E-48B3-B7FC-BD4C21661909}"/>
+                <a16:creationId xmlns:a16="http://schemas.microsoft.com/office/drawing/2014/main" xmlns="" id="{E0D5CF89-116E-48B3-B7FC-BD4C21661909}"/>
               </a:ext>
             </a:extLst>
           </p:cNvPr>
@@ -12007,7 +12294,7 @@
           <p:cNvPr id="43" name="TextBox 42">
             <a:extLst>
               <a:ext uri="{FF2B5EF4-FFF2-40B4-BE49-F238E27FC236}">
-                <a16:creationId xmlns:a16="http://schemas.microsoft.com/office/drawing/2014/main" id="{FB4B3957-5AC1-45A7-9FD2-96C9ABA8F90C}"/>
+                <a16:creationId xmlns:a16="http://schemas.microsoft.com/office/drawing/2014/main" xmlns="" id="{FB4B3957-5AC1-45A7-9FD2-96C9ABA8F90C}"/>
               </a:ext>
             </a:extLst>
           </p:cNvPr>
@@ -12062,7 +12349,7 @@
           <p:cNvPr id="44" name="Rectangle: Rounded Corners 43">
             <a:extLst>
               <a:ext uri="{FF2B5EF4-FFF2-40B4-BE49-F238E27FC236}">
-                <a16:creationId xmlns:a16="http://schemas.microsoft.com/office/drawing/2014/main" id="{E13D5A0C-F95A-4BA3-9577-8DFF2CC697B0}"/>
+                <a16:creationId xmlns:a16="http://schemas.microsoft.com/office/drawing/2014/main" xmlns="" id="{E13D5A0C-F95A-4BA3-9577-8DFF2CC697B0}"/>
               </a:ext>
             </a:extLst>
           </p:cNvPr>
@@ -12134,7 +12421,7 @@
           <p:cNvPr id="45" name="Rectangle: Rounded Corners 44">
             <a:extLst>
               <a:ext uri="{FF2B5EF4-FFF2-40B4-BE49-F238E27FC236}">
-                <a16:creationId xmlns:a16="http://schemas.microsoft.com/office/drawing/2014/main" id="{CE701952-72CE-4A89-9970-E1F5BDB2BCB2}"/>
+                <a16:creationId xmlns:a16="http://schemas.microsoft.com/office/drawing/2014/main" xmlns="" id="{CE701952-72CE-4A89-9970-E1F5BDB2BCB2}"/>
               </a:ext>
             </a:extLst>
           </p:cNvPr>
@@ -12206,7 +12493,7 @@
           <p:cNvPr id="46" name="TextBox 45">
             <a:extLst>
               <a:ext uri="{FF2B5EF4-FFF2-40B4-BE49-F238E27FC236}">
-                <a16:creationId xmlns:a16="http://schemas.microsoft.com/office/drawing/2014/main" id="{B84B7ECE-E2F6-4751-953D-F5AB0A7B9704}"/>
+                <a16:creationId xmlns:a16="http://schemas.microsoft.com/office/drawing/2014/main" xmlns="" id="{B84B7ECE-E2F6-4751-953D-F5AB0A7B9704}"/>
               </a:ext>
             </a:extLst>
           </p:cNvPr>
@@ -12277,7 +12564,7 @@
           <p:cNvPr id="47" name="Rectangle: Rounded Corners 46">
             <a:extLst>
               <a:ext uri="{FF2B5EF4-FFF2-40B4-BE49-F238E27FC236}">
-                <a16:creationId xmlns:a16="http://schemas.microsoft.com/office/drawing/2014/main" id="{B9F66433-83DC-4E29-8E38-0B11A1B73B59}"/>
+                <a16:creationId xmlns:a16="http://schemas.microsoft.com/office/drawing/2014/main" xmlns="" id="{B9F66433-83DC-4E29-8E38-0B11A1B73B59}"/>
               </a:ext>
             </a:extLst>
           </p:cNvPr>
@@ -12359,7 +12646,7 @@
           <p:cNvPr id="48" name="TextBox 47">
             <a:extLst>
               <a:ext uri="{FF2B5EF4-FFF2-40B4-BE49-F238E27FC236}">
-                <a16:creationId xmlns:a16="http://schemas.microsoft.com/office/drawing/2014/main" id="{6100F4B9-F363-4350-83BC-4D220C7814FD}"/>
+                <a16:creationId xmlns:a16="http://schemas.microsoft.com/office/drawing/2014/main" xmlns="" id="{6100F4B9-F363-4350-83BC-4D220C7814FD}"/>
               </a:ext>
             </a:extLst>
           </p:cNvPr>
@@ -12425,7 +12712,7 @@
           <p:cNvPr id="49" name="TextBox 48">
             <a:extLst>
               <a:ext uri="{FF2B5EF4-FFF2-40B4-BE49-F238E27FC236}">
-                <a16:creationId xmlns:a16="http://schemas.microsoft.com/office/drawing/2014/main" id="{01249D4A-F2AF-48A4-93AC-E9DF2CBE4747}"/>
+                <a16:creationId xmlns:a16="http://schemas.microsoft.com/office/drawing/2014/main" xmlns="" id="{01249D4A-F2AF-48A4-93AC-E9DF2CBE4747}"/>
               </a:ext>
             </a:extLst>
           </p:cNvPr>
@@ -12532,7 +12819,7 @@
           <p:cNvPr id="50" name="Rectangle: Rounded Corners 49">
             <a:extLst>
               <a:ext uri="{FF2B5EF4-FFF2-40B4-BE49-F238E27FC236}">
-                <a16:creationId xmlns:a16="http://schemas.microsoft.com/office/drawing/2014/main" id="{97AE84EE-3553-4721-8B2D-6EBF96EED051}"/>
+                <a16:creationId xmlns:a16="http://schemas.microsoft.com/office/drawing/2014/main" xmlns="" id="{97AE84EE-3553-4721-8B2D-6EBF96EED051}"/>
               </a:ext>
             </a:extLst>
           </p:cNvPr>
@@ -12614,7 +12901,7 @@
           <p:cNvPr id="6" name="TextBox 5">
             <a:extLst>
               <a:ext uri="{FF2B5EF4-FFF2-40B4-BE49-F238E27FC236}">
-                <a16:creationId xmlns:a16="http://schemas.microsoft.com/office/drawing/2014/main" id="{BACDAE1A-9007-49B1-BC8E-6E9867B5EED7}"/>
+                <a16:creationId xmlns:a16="http://schemas.microsoft.com/office/drawing/2014/main" xmlns="" id="{BACDAE1A-9007-49B1-BC8E-6E9867B5EED7}"/>
               </a:ext>
             </a:extLst>
           </p:cNvPr>
@@ -12652,7 +12939,7 @@
           <p:cNvPr id="7" name="TextBox 6">
             <a:extLst>
               <a:ext uri="{FF2B5EF4-FFF2-40B4-BE49-F238E27FC236}">
-                <a16:creationId xmlns:a16="http://schemas.microsoft.com/office/drawing/2014/main" id="{17C4A42B-F0EF-4597-A695-579F693F2193}"/>
+                <a16:creationId xmlns:a16="http://schemas.microsoft.com/office/drawing/2014/main" xmlns="" id="{17C4A42B-F0EF-4597-A695-579F693F2193}"/>
               </a:ext>
             </a:extLst>
           </p:cNvPr>
@@ -12705,7 +12992,7 @@
           <p:cNvPr id="51" name="TextBox 50">
             <a:extLst>
               <a:ext uri="{FF2B5EF4-FFF2-40B4-BE49-F238E27FC236}">
-                <a16:creationId xmlns:a16="http://schemas.microsoft.com/office/drawing/2014/main" id="{F487C5AD-5939-4AA7-9678-B21B42EC6599}"/>
+                <a16:creationId xmlns:a16="http://schemas.microsoft.com/office/drawing/2014/main" xmlns="" id="{F487C5AD-5939-4AA7-9678-B21B42EC6599}"/>
               </a:ext>
             </a:extLst>
           </p:cNvPr>
@@ -12800,7 +13087,7 @@
           <p:cNvPr id="2" name="TextBox 1">
             <a:extLst>
               <a:ext uri="{FF2B5EF4-FFF2-40B4-BE49-F238E27FC236}">
-                <a16:creationId xmlns:a16="http://schemas.microsoft.com/office/drawing/2014/main" id="{E258F04B-369D-4ECA-978B-45D7CEE6A003}"/>
+                <a16:creationId xmlns:a16="http://schemas.microsoft.com/office/drawing/2014/main" xmlns="" id="{E258F04B-369D-4ECA-978B-45D7CEE6A003}"/>
               </a:ext>
             </a:extLst>
           </p:cNvPr>
@@ -12809,7 +13096,7 @@
         </p:nvSpPr>
         <p:spPr>
           <a:xfrm>
-            <a:off x="681642" y="474903"/>
+            <a:off x="681642" y="325648"/>
             <a:ext cx="3940233" cy="923330"/>
           </a:xfrm>
           <a:prstGeom prst="rect">
@@ -12858,7 +13145,7 @@
               </a:rPr>
               <a:t> </a:t>
             </a:r>
-            <a:endParaRPr lang="en-CY" sz="5400" dirty="0">
+            <a:endParaRPr lang="x-none" sz="5400" dirty="0">
               <a:latin typeface="Calibri" panose="020F0502020204030204" pitchFamily="34" charset="0"/>
               <a:cs typeface="Calibri" panose="020F0502020204030204" pitchFamily="34" charset="0"/>
             </a:endParaRPr>
@@ -12870,7 +13157,7 @@
           <p:cNvPr id="6" name="TextBox 5">
             <a:extLst>
               <a:ext uri="{FF2B5EF4-FFF2-40B4-BE49-F238E27FC236}">
-                <a16:creationId xmlns:a16="http://schemas.microsoft.com/office/drawing/2014/main" id="{703320E3-805F-4BE0-8B38-9865368FED53}"/>
+                <a16:creationId xmlns:a16="http://schemas.microsoft.com/office/drawing/2014/main" xmlns="" id="{703320E3-805F-4BE0-8B38-9865368FED53}"/>
               </a:ext>
             </a:extLst>
           </p:cNvPr>
@@ -12879,8 +13166,8 @@
         </p:nvSpPr>
         <p:spPr>
           <a:xfrm>
-            <a:off x="1036321" y="4893747"/>
-            <a:ext cx="7974676" cy="2585323"/>
+            <a:off x="681642" y="4028736"/>
+            <a:ext cx="6589220" cy="2862322"/>
           </a:xfrm>
           <a:prstGeom prst="rect">
             <a:avLst/>
@@ -12911,7 +13198,7 @@
                 <a:latin typeface="Calibri" panose="020F0502020204030204" pitchFamily="34" charset="0"/>
                 <a:cs typeface="Calibri" panose="020F0502020204030204" pitchFamily="34" charset="0"/>
               </a:rPr>
-              <a:t>Registered Insurance Broker</a:t>
+              <a:t>300 man days to develop platform</a:t>
             </a:r>
           </a:p>
           <a:p>
@@ -12924,7 +13211,7 @@
                 <a:latin typeface="Calibri" panose="020F0502020204030204" pitchFamily="34" charset="0"/>
                 <a:cs typeface="Calibri" panose="020F0502020204030204" pitchFamily="34" charset="0"/>
               </a:rPr>
-              <a:t>Broker Agreement with 3-4 Cypriot Insurance Companies</a:t>
+              <a:t>Investment to recruit 3 full time developers</a:t>
             </a:r>
           </a:p>
           <a:p>
@@ -12937,20 +13224,7 @@
                 <a:latin typeface="Calibri" panose="020F0502020204030204" pitchFamily="34" charset="0"/>
                 <a:cs typeface="Calibri" panose="020F0502020204030204" pitchFamily="34" charset="0"/>
               </a:rPr>
-              <a:t>300 man days to develop platform</a:t>
-            </a:r>
-          </a:p>
-          <a:p>
-            <a:pPr marL="342900" indent="-342900">
-              <a:buFont typeface="Arial" panose="020B0604020202020204" pitchFamily="34" charset="0"/>
-              <a:buChar char="•"/>
-            </a:pPr>
-            <a:r>
-              <a:rPr lang="en-GB" dirty="0">
-                <a:latin typeface="Calibri" panose="020F0502020204030204" pitchFamily="34" charset="0"/>
-                <a:cs typeface="Calibri" panose="020F0502020204030204" pitchFamily="34" charset="0"/>
-              </a:rPr>
-              <a:t>Investment to recruit 3 full time developers</a:t>
+              <a:t>Agreement with 3-4 Cypriot Insurance Companies</a:t>
             </a:r>
           </a:p>
           <a:p>
@@ -12974,6 +13248,26 @@
             </a:endParaRPr>
           </a:p>
           <a:p>
+            <a:pPr marL="342900" indent="-342900">
+              <a:buFont typeface="Arial" panose="020B0604020202020204" pitchFamily="34" charset="0"/>
+              <a:buChar char="•"/>
+            </a:pPr>
+            <a:endParaRPr lang="en-GB" dirty="0">
+              <a:latin typeface="Calibri" panose="020F0502020204030204" pitchFamily="34" charset="0"/>
+              <a:cs typeface="Calibri" panose="020F0502020204030204" pitchFamily="34" charset="0"/>
+            </a:endParaRPr>
+          </a:p>
+          <a:p>
+            <a:pPr marL="342900" indent="-342900">
+              <a:buFont typeface="Arial" panose="020B0604020202020204" pitchFamily="34" charset="0"/>
+              <a:buChar char="•"/>
+            </a:pPr>
+            <a:endParaRPr lang="en-GB" dirty="0">
+              <a:latin typeface="Calibri" panose="020F0502020204030204" pitchFamily="34" charset="0"/>
+              <a:cs typeface="Calibri" panose="020F0502020204030204" pitchFamily="34" charset="0"/>
+            </a:endParaRPr>
+          </a:p>
+          <a:p>
             <a:r>
               <a:rPr lang="en-GB" dirty="0"/>
               <a:t> </a:t>
@@ -12983,10 +13277,10 @@
       </p:sp>
       <p:sp>
         <p:nvSpPr>
-          <p:cNvPr id="8" name="TextBox 7">
+          <p:cNvPr id="3" name="TextBox 2">
             <a:extLst>
               <a:ext uri="{FF2B5EF4-FFF2-40B4-BE49-F238E27FC236}">
-                <a16:creationId xmlns:a16="http://schemas.microsoft.com/office/drawing/2014/main" id="{C0B3B732-37E2-4BDE-90C6-0F9DB840AE80}"/>
+                <a16:creationId xmlns:a16="http://schemas.microsoft.com/office/drawing/2014/main" xmlns="" id="{EDDBFE6E-5FFB-4783-B47F-81D867C05C56}"/>
               </a:ext>
             </a:extLst>
           </p:cNvPr>
@@ -12995,8 +13289,8 @@
         </p:nvSpPr>
         <p:spPr>
           <a:xfrm>
-            <a:off x="681642" y="1509014"/>
-            <a:ext cx="7974676" cy="369332"/>
+            <a:off x="681642" y="1720412"/>
+            <a:ext cx="8628613" cy="2308324"/>
           </a:xfrm>
           <a:prstGeom prst="rect">
             <a:avLst/>
@@ -13011,50 +13305,30 @@
           <a:p>
             <a:r>
               <a:rPr lang="en-GB" b="1" dirty="0"/>
-              <a:t>Cypriot Insurance Market</a:t>
-            </a:r>
-          </a:p>
-        </p:txBody>
-      </p:sp>
-      <p:sp>
-        <p:nvSpPr>
-          <p:cNvPr id="9" name="TextBox 8">
-            <a:extLst>
-              <a:ext uri="{FF2B5EF4-FFF2-40B4-BE49-F238E27FC236}">
-                <a16:creationId xmlns:a16="http://schemas.microsoft.com/office/drawing/2014/main" id="{DC2FEC12-B816-44DA-9710-DA35C68B236E}"/>
-              </a:ext>
-            </a:extLst>
-          </p:cNvPr>
-          <p:cNvSpPr txBox="1"/>
-          <p:nvPr/>
-        </p:nvSpPr>
-        <p:spPr>
-          <a:xfrm>
-            <a:off x="781397" y="2017640"/>
-            <a:ext cx="9576261" cy="1477328"/>
-          </a:xfrm>
-          <a:prstGeom prst="rect">
-            <a:avLst/>
-          </a:prstGeom>
-          <a:noFill/>
-        </p:spPr>
-        <p:txBody>
-          <a:bodyPr wrap="square" rtlCol="0">
-            <a:spAutoFit/>
-          </a:bodyPr>
-          <a:lstStyle/>
+              <a:t>B</a:t>
+            </a:r>
+            <a:r>
+              <a:rPr lang="en-GB" dirty="0"/>
+              <a:t>usiness </a:t>
+            </a:r>
+            <a:r>
+              <a:rPr lang="en-GB" b="1" dirty="0"/>
+              <a:t>O</a:t>
+            </a:r>
+            <a:r>
+              <a:rPr lang="en-GB" dirty="0"/>
+              <a:t>pportunity</a:t>
+            </a:r>
+          </a:p>
           <a:p>
             <a:pPr marL="285750" indent="-285750">
               <a:buFont typeface="Arial" panose="020B0604020202020204" pitchFamily="34" charset="0"/>
               <a:buChar char="•"/>
             </a:pPr>
-            <a:r>
-              <a:rPr lang="en-GB" dirty="0">
-                <a:latin typeface="Calibri" panose="020F0502020204030204" pitchFamily="34" charset="0"/>
-                <a:cs typeface="Calibri" panose="020F0502020204030204" pitchFamily="34" charset="0"/>
-              </a:rPr>
-              <a:t>22 Insurance Companies </a:t>
-            </a:r>
+            <a:endParaRPr lang="en-GB" dirty="0">
+              <a:latin typeface="Calibri" panose="020F0502020204030204" pitchFamily="34" charset="0"/>
+              <a:cs typeface="Calibri" panose="020F0502020204030204" pitchFamily="34" charset="0"/>
+            </a:endParaRPr>
           </a:p>
           <a:p>
             <a:pPr marL="285750" indent="-285750">
@@ -13066,7 +13340,7 @@
                 <a:latin typeface="Calibri" panose="020F0502020204030204" pitchFamily="34" charset="0"/>
                 <a:cs typeface="Calibri" panose="020F0502020204030204" pitchFamily="34" charset="0"/>
               </a:rPr>
-              <a:t>Over 1000 agents/brokers</a:t>
+              <a:t>Insurance industry is experiencing a transformation</a:t>
             </a:r>
           </a:p>
           <a:p>
@@ -13075,83 +13349,11 @@
               <a:buChar char="•"/>
             </a:pPr>
             <a:r>
-              <a:rPr lang="el-GR" dirty="0">
-                <a:latin typeface="Calibri" panose="020F0502020204030204" pitchFamily="34" charset="0"/>
-                <a:cs typeface="Calibri" panose="020F0502020204030204" pitchFamily="34" charset="0"/>
-              </a:rPr>
-              <a:t>€360</a:t>
-            </a:r>
-            <a:r>
               <a:rPr lang="en-GB" dirty="0">
                 <a:latin typeface="Calibri" panose="020F0502020204030204" pitchFamily="34" charset="0"/>
                 <a:cs typeface="Calibri" panose="020F0502020204030204" pitchFamily="34" charset="0"/>
               </a:rPr>
-              <a:t> mil</a:t>
-            </a:r>
-            <a:r>
-              <a:rPr lang="el-GR" dirty="0">
-                <a:latin typeface="Calibri" panose="020F0502020204030204" pitchFamily="34" charset="0"/>
-                <a:cs typeface="Calibri" panose="020F0502020204030204" pitchFamily="34" charset="0"/>
-              </a:rPr>
-              <a:t> </a:t>
-            </a:r>
-            <a:r>
-              <a:rPr lang="en-GB" dirty="0">
-                <a:latin typeface="Calibri" panose="020F0502020204030204" pitchFamily="34" charset="0"/>
-                <a:cs typeface="Calibri" panose="020F0502020204030204" pitchFamily="34" charset="0"/>
-              </a:rPr>
-              <a:t>General Business  Premium written</a:t>
-            </a:r>
-          </a:p>
-          <a:p>
-            <a:r>
-              <a:rPr lang="en-GB" dirty="0">
-                <a:latin typeface="Calibri" panose="020F0502020204030204" pitchFamily="34" charset="0"/>
-                <a:cs typeface="Calibri" panose="020F0502020204030204" pitchFamily="34" charset="0"/>
-              </a:rPr>
-              <a:t>     (</a:t>
-            </a:r>
-            <a:r>
-              <a:rPr lang="el-GR" dirty="0">
-                <a:latin typeface="Calibri" panose="020F0502020204030204" pitchFamily="34" charset="0"/>
-                <a:cs typeface="Calibri" panose="020F0502020204030204" pitchFamily="34" charset="0"/>
-              </a:rPr>
-              <a:t>€</a:t>
-            </a:r>
-            <a:r>
-              <a:rPr lang="en-GB" dirty="0">
-                <a:latin typeface="Calibri" panose="020F0502020204030204" pitchFamily="34" charset="0"/>
-                <a:cs typeface="Calibri" panose="020F0502020204030204" pitchFamily="34" charset="0"/>
-              </a:rPr>
-              <a:t>165 mil motor ,  </a:t>
-            </a:r>
-            <a:r>
-              <a:rPr lang="el-GR" dirty="0">
-                <a:latin typeface="Calibri" panose="020F0502020204030204" pitchFamily="34" charset="0"/>
-                <a:cs typeface="Calibri" panose="020F0502020204030204" pitchFamily="34" charset="0"/>
-              </a:rPr>
-              <a:t>€</a:t>
-            </a:r>
-            <a:r>
-              <a:rPr lang="en-GB" dirty="0">
-                <a:latin typeface="Calibri" panose="020F0502020204030204" pitchFamily="34" charset="0"/>
-                <a:cs typeface="Calibri" panose="020F0502020204030204" pitchFamily="34" charset="0"/>
-              </a:rPr>
-              <a:t>155 mil  non-motor, </a:t>
-            </a:r>
-            <a:r>
-              <a:rPr lang="el-GR" dirty="0">
-                <a:latin typeface="Calibri" panose="020F0502020204030204" pitchFamily="34" charset="0"/>
-                <a:cs typeface="Calibri" panose="020F0502020204030204" pitchFamily="34" charset="0"/>
-              </a:rPr>
-              <a:t>€</a:t>
-            </a:r>
-            <a:r>
-              <a:rPr lang="en-GB" dirty="0">
-                <a:latin typeface="Calibri" panose="020F0502020204030204" pitchFamily="34" charset="0"/>
-                <a:cs typeface="Calibri" panose="020F0502020204030204" pitchFamily="34" charset="0"/>
-              </a:rPr>
-              <a:t>35 mil health)</a:t>
+              <a:t>Digital servicing is expected by customers</a:t>
             </a:r>
           </a:p>
           <a:p>
@@ -13159,109 +13361,36 @@
               <a:buFont typeface="Arial" panose="020B0604020202020204" pitchFamily="34" charset="0"/>
               <a:buChar char="•"/>
             </a:pPr>
-            <a:endParaRPr lang="en-CY" dirty="0"/>
-          </a:p>
-        </p:txBody>
-      </p:sp>
-      <p:sp>
-        <p:nvSpPr>
-          <p:cNvPr id="3" name="TextBox 2">
-            <a:extLst>
-              <a:ext uri="{FF2B5EF4-FFF2-40B4-BE49-F238E27FC236}">
-                <a16:creationId xmlns:a16="http://schemas.microsoft.com/office/drawing/2014/main" id="{EDDBFE6E-5FFB-4783-B47F-81D867C05C56}"/>
-              </a:ext>
-            </a:extLst>
-          </p:cNvPr>
-          <p:cNvSpPr txBox="1"/>
-          <p:nvPr/>
-        </p:nvSpPr>
-        <p:spPr>
-          <a:xfrm>
-            <a:off x="881147" y="3298214"/>
-            <a:ext cx="8728364" cy="1754326"/>
-          </a:xfrm>
-          <a:prstGeom prst="rect">
-            <a:avLst/>
-          </a:prstGeom>
-          <a:noFill/>
-        </p:spPr>
-        <p:txBody>
-          <a:bodyPr wrap="square" rtlCol="0">
-            <a:spAutoFit/>
-          </a:bodyPr>
-          <a:lstStyle/>
-          <a:p>
-            <a:r>
-              <a:rPr lang="en-GB" b="1" dirty="0"/>
-              <a:t>B</a:t>
-            </a:r>
-            <a:r>
-              <a:rPr lang="en-GB" dirty="0"/>
-              <a:t>usiness </a:t>
-            </a:r>
-            <a:r>
-              <a:rPr lang="en-GB" b="1" dirty="0"/>
-              <a:t>O</a:t>
-            </a:r>
-            <a:r>
-              <a:rPr lang="en-GB" dirty="0"/>
-              <a:t>pportunity</a:t>
-            </a:r>
+            <a:r>
+              <a:rPr lang="en-GB" dirty="0">
+                <a:latin typeface="Calibri" panose="020F0502020204030204" pitchFamily="34" charset="0"/>
+                <a:cs typeface="Calibri" panose="020F0502020204030204" pitchFamily="34" charset="0"/>
+              </a:rPr>
+              <a:t>Platform does not exist in Cypriot Market</a:t>
+            </a:r>
+            <a:endParaRPr lang="el-GR" dirty="0">
+              <a:latin typeface="Calibri" panose="020F0502020204030204" pitchFamily="34" charset="0"/>
+              <a:cs typeface="Calibri" panose="020F0502020204030204" pitchFamily="34" charset="0"/>
+            </a:endParaRPr>
           </a:p>
           <a:p>
             <a:pPr marL="285750" indent="-285750">
               <a:buFont typeface="Arial" panose="020B0604020202020204" pitchFamily="34" charset="0"/>
               <a:buChar char="•"/>
             </a:pPr>
-            <a:r>
-              <a:rPr lang="en-GB" dirty="0">
-                <a:latin typeface="Calibri" panose="020F0502020204030204" pitchFamily="34" charset="0"/>
-                <a:cs typeface="Calibri" panose="020F0502020204030204" pitchFamily="34" charset="0"/>
-              </a:rPr>
-              <a:t>Platform does not exist in Cypriot Market</a:t>
-            </a:r>
-          </a:p>
-          <a:p>
-            <a:pPr marL="285750" indent="-285750">
-              <a:buFont typeface="Arial" panose="020B0604020202020204" pitchFamily="34" charset="0"/>
-              <a:buChar char="•"/>
-            </a:pPr>
-            <a:r>
-              <a:rPr lang="en-GB" dirty="0">
-                <a:latin typeface="Calibri" panose="020F0502020204030204" pitchFamily="34" charset="0"/>
-                <a:cs typeface="Calibri" panose="020F0502020204030204" pitchFamily="34" charset="0"/>
-              </a:rPr>
-              <a:t>Digital servicing is expected by customers</a:t>
-            </a:r>
-          </a:p>
-          <a:p>
-            <a:pPr marL="285750" indent="-285750">
-              <a:buFont typeface="Arial" panose="020B0604020202020204" pitchFamily="34" charset="0"/>
-              <a:buChar char="•"/>
-            </a:pPr>
-            <a:r>
-              <a:rPr lang="en-GB" dirty="0">
-                <a:latin typeface="Calibri" panose="020F0502020204030204" pitchFamily="34" charset="0"/>
-                <a:cs typeface="Calibri" panose="020F0502020204030204" pitchFamily="34" charset="0"/>
-              </a:rPr>
-              <a:t>Insurance is experiencing a transformation</a:t>
-            </a:r>
-          </a:p>
-          <a:p>
-            <a:pPr marL="285750" indent="-285750">
-              <a:buFont typeface="Arial" panose="020B0604020202020204" pitchFamily="34" charset="0"/>
-              <a:buChar char="•"/>
-            </a:pPr>
-            <a:r>
-              <a:rPr lang="en-GB" dirty="0">
-                <a:latin typeface="Calibri" panose="020F0502020204030204" pitchFamily="34" charset="0"/>
-                <a:cs typeface="Calibri" panose="020F0502020204030204" pitchFamily="34" charset="0"/>
-              </a:rPr>
-              <a:t>We expect to capture 5 million production in 3 years after launch</a:t>
-            </a:r>
-          </a:p>
-          <a:p>
-            <a:endParaRPr lang="en-CY" dirty="0"/>
+            <a:endParaRPr lang="en-GB" dirty="0">
+              <a:latin typeface="Calibri" panose="020F0502020204030204" pitchFamily="34" charset="0"/>
+              <a:cs typeface="Calibri" panose="020F0502020204030204" pitchFamily="34" charset="0"/>
+            </a:endParaRPr>
+          </a:p>
+          <a:p>
+            <a:endParaRPr lang="en-GB" dirty="0">
+              <a:latin typeface="Calibri" panose="020F0502020204030204" pitchFamily="34" charset="0"/>
+              <a:cs typeface="Calibri" panose="020F0502020204030204" pitchFamily="34" charset="0"/>
+            </a:endParaRPr>
+          </a:p>
+          <a:p>
+            <a:endParaRPr lang="x-none" dirty="0"/>
           </a:p>
         </p:txBody>
       </p:sp>
@@ -13312,7 +13441,7 @@
           <p:cNvPr id="2" name="TextBox 1">
             <a:extLst>
               <a:ext uri="{FF2B5EF4-FFF2-40B4-BE49-F238E27FC236}">
-                <a16:creationId xmlns:a16="http://schemas.microsoft.com/office/drawing/2014/main" id="{E258F04B-369D-4ECA-978B-45D7CEE6A003}"/>
+                <a16:creationId xmlns:a16="http://schemas.microsoft.com/office/drawing/2014/main" xmlns="" id="{E258F04B-369D-4ECA-978B-45D7CEE6A003}"/>
               </a:ext>
             </a:extLst>
           </p:cNvPr>
@@ -13370,7 +13499,7 @@
               </a:rPr>
               <a:t> </a:t>
             </a:r>
-            <a:endParaRPr lang="en-CY" sz="5400" dirty="0">
+            <a:endParaRPr lang="x-none" sz="5400" dirty="0">
               <a:latin typeface="Calibri" panose="020F0502020204030204" pitchFamily="34" charset="0"/>
               <a:cs typeface="Calibri" panose="020F0502020204030204" pitchFamily="34" charset="0"/>
             </a:endParaRPr>
@@ -13382,7 +13511,7 @@
           <p:cNvPr id="11" name="TextBox 10">
             <a:extLst>
               <a:ext uri="{FF2B5EF4-FFF2-40B4-BE49-F238E27FC236}">
-                <a16:creationId xmlns:a16="http://schemas.microsoft.com/office/drawing/2014/main" id="{5E9219BB-3E67-4BBA-A624-62ACC96593DC}"/>
+                <a16:creationId xmlns:a16="http://schemas.microsoft.com/office/drawing/2014/main" xmlns="" id="{5E9219BB-3E67-4BBA-A624-62ACC96593DC}"/>
               </a:ext>
             </a:extLst>
           </p:cNvPr>
@@ -13391,7 +13520,7 @@
         </p:nvSpPr>
         <p:spPr>
           <a:xfrm>
-            <a:off x="767540" y="1624590"/>
+            <a:off x="681642" y="3191303"/>
             <a:ext cx="7974676" cy="2031325"/>
           </a:xfrm>
           <a:prstGeom prst="rect">
@@ -13482,10 +13611,10 @@
       </p:sp>
       <p:sp>
         <p:nvSpPr>
-          <p:cNvPr id="5" name="TextBox 4">
+          <p:cNvPr id="3" name="TextBox 2">
             <a:extLst>
               <a:ext uri="{FF2B5EF4-FFF2-40B4-BE49-F238E27FC236}">
-                <a16:creationId xmlns:a16="http://schemas.microsoft.com/office/drawing/2014/main" id="{B6941EF5-0F0B-415D-BD59-E4A33480B703}"/>
+                <a16:creationId xmlns:a16="http://schemas.microsoft.com/office/drawing/2014/main" xmlns="" id="{BA909FFC-BE6F-4D02-A3C2-C0082BC5816A}"/>
               </a:ext>
             </a:extLst>
           </p:cNvPr>
@@ -13494,8 +13623,8 @@
         </p:nvSpPr>
         <p:spPr>
           <a:xfrm>
-            <a:off x="939340" y="4936145"/>
-            <a:ext cx="7974676" cy="3170099"/>
+            <a:off x="802893" y="4750481"/>
+            <a:ext cx="5960227" cy="1785104"/>
           </a:xfrm>
           <a:prstGeom prst="rect">
             <a:avLst/>
@@ -13513,32 +13642,32 @@
                 <a:latin typeface="Calibri" panose="020F0502020204030204" pitchFamily="34" charset="0"/>
                 <a:cs typeface="Calibri" panose="020F0502020204030204" pitchFamily="34" charset="0"/>
               </a:rPr>
-              <a:t>F</a:t>
+              <a:t>R</a:t>
             </a:r>
             <a:r>
               <a:rPr lang="en-GB" sz="2000" dirty="0">
                 <a:latin typeface="Calibri" panose="020F0502020204030204" pitchFamily="34" charset="0"/>
                 <a:cs typeface="Calibri" panose="020F0502020204030204" pitchFamily="34" charset="0"/>
               </a:rPr>
-              <a:t>uture </a:t>
+              <a:t>evenue </a:t>
             </a:r>
             <a:r>
               <a:rPr lang="en-GB" sz="2000" b="1" dirty="0">
                 <a:latin typeface="Calibri" panose="020F0502020204030204" pitchFamily="34" charset="0"/>
                 <a:cs typeface="Calibri" panose="020F0502020204030204" pitchFamily="34" charset="0"/>
               </a:rPr>
-              <a:t>D</a:t>
+              <a:t>S</a:t>
             </a:r>
             <a:r>
               <a:rPr lang="en-GB" sz="2000" dirty="0">
                 <a:latin typeface="Calibri" panose="020F0502020204030204" pitchFamily="34" charset="0"/>
                 <a:cs typeface="Calibri" panose="020F0502020204030204" pitchFamily="34" charset="0"/>
               </a:rPr>
-              <a:t>evelopment</a:t>
-            </a:r>
-          </a:p>
-          <a:p>
-            <a:endParaRPr lang="en-GB" dirty="0">
+              <a:t>treams</a:t>
+            </a:r>
+          </a:p>
+          <a:p>
+            <a:endParaRPr lang="en-GB" b="1" dirty="0">
               <a:latin typeface="Calibri" panose="020F0502020204030204" pitchFamily="34" charset="0"/>
               <a:cs typeface="Calibri" panose="020F0502020204030204" pitchFamily="34" charset="0"/>
             </a:endParaRPr>
@@ -13553,7 +13682,7 @@
                 <a:latin typeface="Calibri" panose="020F0502020204030204" pitchFamily="34" charset="0"/>
                 <a:cs typeface="Calibri" panose="020F0502020204030204" pitchFamily="34" charset="0"/>
               </a:rPr>
-              <a:t>Machine learning to suggest quote</a:t>
+              <a:t>Commission from the sale of each product</a:t>
             </a:r>
           </a:p>
           <a:p>
@@ -13566,7 +13695,7 @@
                 <a:latin typeface="Calibri" panose="020F0502020204030204" pitchFamily="34" charset="0"/>
                 <a:cs typeface="Calibri" panose="020F0502020204030204" pitchFamily="34" charset="0"/>
               </a:rPr>
-              <a:t>Data analytics / Predictive analytics for cross selling / up-selling / underwriting</a:t>
+              <a:t>Data analytics for cross selling and up selling</a:t>
             </a:r>
           </a:p>
           <a:p>
@@ -13579,166 +13708,20 @@
                 <a:latin typeface="Calibri" panose="020F0502020204030204" pitchFamily="34" charset="0"/>
                 <a:cs typeface="Calibri" panose="020F0502020204030204" pitchFamily="34" charset="0"/>
               </a:rPr>
-              <a:t>Pivot to real estate If does not work</a:t>
-            </a:r>
-          </a:p>
-          <a:p>
-            <a:r>
-              <a:rPr lang="en-GB" b="1" dirty="0"/>
-              <a:t>  </a:t>
-            </a:r>
-          </a:p>
-          <a:p>
-            <a:pPr marL="285750" indent="-285750">
-              <a:buFont typeface="Arial" panose="020B0604020202020204" pitchFamily="34" charset="0"/>
-              <a:buChar char="•"/>
-            </a:pPr>
-            <a:endParaRPr lang="en-GB" b="1" dirty="0"/>
-          </a:p>
-          <a:p>
-            <a:endParaRPr lang="en-GB" b="1" dirty="0"/>
-          </a:p>
-          <a:p>
-            <a:pPr marL="285750" indent="-285750">
-              <a:buFont typeface="Arial" panose="020B0604020202020204" pitchFamily="34" charset="0"/>
-              <a:buChar char="•"/>
-            </a:pPr>
-            <a:endParaRPr lang="en-GB" dirty="0">
-              <a:latin typeface="Calibri" panose="020F0502020204030204" pitchFamily="34" charset="0"/>
-              <a:cs typeface="Calibri" panose="020F0502020204030204" pitchFamily="34" charset="0"/>
-            </a:endParaRPr>
-          </a:p>
-          <a:p>
-            <a:pPr marL="285750" indent="-285750">
-              <a:buFont typeface="Arial" panose="020B0604020202020204" pitchFamily="34" charset="0"/>
-              <a:buChar char="•"/>
-            </a:pPr>
-            <a:endParaRPr lang="en-GB" dirty="0">
-              <a:latin typeface="Calibri" panose="020F0502020204030204" pitchFamily="34" charset="0"/>
-              <a:cs typeface="Calibri" panose="020F0502020204030204" pitchFamily="34" charset="0"/>
-            </a:endParaRPr>
-          </a:p>
-          <a:p>
-            <a:r>
-              <a:rPr lang="en-GB" dirty="0"/>
-              <a:t> </a:t>
-            </a:r>
-          </a:p>
-        </p:txBody>
-      </p:sp>
-      <p:sp>
-        <p:nvSpPr>
-          <p:cNvPr id="3" name="TextBox 2">
+              <a:t>Licence and maintenance fee for the use of our platform </a:t>
+            </a:r>
+          </a:p>
+          <a:p>
+            <a:endParaRPr lang="x-none" dirty="0"/>
+          </a:p>
+        </p:txBody>
+      </p:sp>
+      <p:pic>
+        <p:nvPicPr>
+          <p:cNvPr id="6" name="Picture 5">
             <a:extLst>
               <a:ext uri="{FF2B5EF4-FFF2-40B4-BE49-F238E27FC236}">
-                <a16:creationId xmlns:a16="http://schemas.microsoft.com/office/drawing/2014/main" id="{BA909FFC-BE6F-4D02-A3C2-C0082BC5816A}"/>
-              </a:ext>
-            </a:extLst>
-          </p:cNvPr>
-          <p:cNvSpPr txBox="1"/>
-          <p:nvPr/>
-        </p:nvSpPr>
-        <p:spPr>
-          <a:xfrm>
-            <a:off x="767540" y="3188035"/>
-            <a:ext cx="5960227" cy="1785104"/>
-          </a:xfrm>
-          <a:prstGeom prst="rect">
-            <a:avLst/>
-          </a:prstGeom>
-          <a:noFill/>
-        </p:spPr>
-        <p:txBody>
-          <a:bodyPr wrap="square" rtlCol="0">
-            <a:spAutoFit/>
-          </a:bodyPr>
-          <a:lstStyle/>
-          <a:p>
-            <a:r>
-              <a:rPr lang="en-GB" sz="2000" b="1" dirty="0">
-                <a:latin typeface="Calibri" panose="020F0502020204030204" pitchFamily="34" charset="0"/>
-                <a:cs typeface="Calibri" panose="020F0502020204030204" pitchFamily="34" charset="0"/>
-              </a:rPr>
-              <a:t>R</a:t>
-            </a:r>
-            <a:r>
-              <a:rPr lang="en-GB" sz="2000" dirty="0">
-                <a:latin typeface="Calibri" panose="020F0502020204030204" pitchFamily="34" charset="0"/>
-                <a:cs typeface="Calibri" panose="020F0502020204030204" pitchFamily="34" charset="0"/>
-              </a:rPr>
-              <a:t>evenue </a:t>
-            </a:r>
-            <a:r>
-              <a:rPr lang="en-GB" sz="2000" b="1" dirty="0">
-                <a:latin typeface="Calibri" panose="020F0502020204030204" pitchFamily="34" charset="0"/>
-                <a:cs typeface="Calibri" panose="020F0502020204030204" pitchFamily="34" charset="0"/>
-              </a:rPr>
-              <a:t>S</a:t>
-            </a:r>
-            <a:r>
-              <a:rPr lang="en-GB" sz="2000" dirty="0">
-                <a:latin typeface="Calibri" panose="020F0502020204030204" pitchFamily="34" charset="0"/>
-                <a:cs typeface="Calibri" panose="020F0502020204030204" pitchFamily="34" charset="0"/>
-              </a:rPr>
-              <a:t>treams</a:t>
-            </a:r>
-          </a:p>
-          <a:p>
-            <a:endParaRPr lang="en-GB" b="1" dirty="0">
-              <a:latin typeface="Calibri" panose="020F0502020204030204" pitchFamily="34" charset="0"/>
-              <a:cs typeface="Calibri" panose="020F0502020204030204" pitchFamily="34" charset="0"/>
-            </a:endParaRPr>
-          </a:p>
-          <a:p>
-            <a:pPr marL="285750" indent="-285750">
-              <a:buFont typeface="Arial" panose="020B0604020202020204" pitchFamily="34" charset="0"/>
-              <a:buChar char="•"/>
-            </a:pPr>
-            <a:r>
-              <a:rPr lang="en-GB" dirty="0">
-                <a:latin typeface="Calibri" panose="020F0502020204030204" pitchFamily="34" charset="0"/>
-                <a:cs typeface="Calibri" panose="020F0502020204030204" pitchFamily="34" charset="0"/>
-              </a:rPr>
-              <a:t>Scaling Commission from the sale of each product</a:t>
-            </a:r>
-          </a:p>
-          <a:p>
-            <a:pPr marL="285750" indent="-285750">
-              <a:buFont typeface="Arial" panose="020B0604020202020204" pitchFamily="34" charset="0"/>
-              <a:buChar char="•"/>
-            </a:pPr>
-            <a:r>
-              <a:rPr lang="en-GB" dirty="0">
-                <a:latin typeface="Calibri" panose="020F0502020204030204" pitchFamily="34" charset="0"/>
-                <a:cs typeface="Calibri" panose="020F0502020204030204" pitchFamily="34" charset="0"/>
-              </a:rPr>
-              <a:t>Data analytics for cross selling and up selling</a:t>
-            </a:r>
-          </a:p>
-          <a:p>
-            <a:pPr marL="285750" indent="-285750">
-              <a:buFont typeface="Arial" panose="020B0604020202020204" pitchFamily="34" charset="0"/>
-              <a:buChar char="•"/>
-            </a:pPr>
-            <a:r>
-              <a:rPr lang="en-GB" dirty="0">
-                <a:latin typeface="Calibri" panose="020F0502020204030204" pitchFamily="34" charset="0"/>
-                <a:cs typeface="Calibri" panose="020F0502020204030204" pitchFamily="34" charset="0"/>
-              </a:rPr>
-              <a:t>Licence and maintenance fee for the use of our platform </a:t>
-            </a:r>
-          </a:p>
-          <a:p>
-            <a:endParaRPr lang="en-CY" dirty="0"/>
-          </a:p>
-        </p:txBody>
-      </p:sp>
-      <p:pic>
-        <p:nvPicPr>
-          <p:cNvPr id="10" name="Picture 9">
-            <a:extLst>
-              <a:ext uri="{FF2B5EF4-FFF2-40B4-BE49-F238E27FC236}">
-                <a16:creationId xmlns:a16="http://schemas.microsoft.com/office/drawing/2014/main" id="{72658575-2E90-4CDE-B159-D618FF06C835}"/>
+                <a16:creationId xmlns:a16="http://schemas.microsoft.com/office/drawing/2014/main" xmlns="" id="{D2C01BEA-36B7-4150-B15B-8A0852E45635}"/>
               </a:ext>
             </a:extLst>
           </p:cNvPr>
@@ -13755,18 +13738,271 @@
         </p:blipFill>
         <p:spPr>
           <a:xfrm>
-            <a:off x="6517179" y="1049099"/>
-            <a:ext cx="4599709" cy="2456156"/>
+            <a:off x="6368018" y="1593293"/>
+            <a:ext cx="5698622" cy="2569038"/>
           </a:xfrm>
           <a:prstGeom prst="rect">
             <a:avLst/>
           </a:prstGeom>
         </p:spPr>
       </p:pic>
+      <p:sp>
+        <p:nvSpPr>
+          <p:cNvPr id="7" name="TextBox 6">
+            <a:extLst>
+              <a:ext uri="{FF2B5EF4-FFF2-40B4-BE49-F238E27FC236}">
+                <a16:creationId xmlns:a16="http://schemas.microsoft.com/office/drawing/2014/main" xmlns="" id="{FA962DAF-8182-453D-A9B9-D15DFD25C7E1}"/>
+              </a:ext>
+            </a:extLst>
+          </p:cNvPr>
+          <p:cNvSpPr txBox="1"/>
+          <p:nvPr/>
+        </p:nvSpPr>
+        <p:spPr>
+          <a:xfrm>
+            <a:off x="737063" y="2095257"/>
+            <a:ext cx="6683432" cy="1200329"/>
+          </a:xfrm>
+          <a:prstGeom prst="rect">
+            <a:avLst/>
+          </a:prstGeom>
+          <a:noFill/>
+        </p:spPr>
+        <p:txBody>
+          <a:bodyPr wrap="square" rtlCol="0">
+            <a:spAutoFit/>
+          </a:bodyPr>
+          <a:lstStyle/>
+          <a:p>
+            <a:pPr marL="285750" indent="-285750">
+              <a:buFont typeface="Arial" panose="020B0604020202020204" pitchFamily="34" charset="0"/>
+              <a:buChar char="•"/>
+            </a:pPr>
+            <a:r>
+              <a:rPr lang="en-GB" dirty="0">
+                <a:latin typeface="Calibri" panose="020F0502020204030204" pitchFamily="34" charset="0"/>
+                <a:cs typeface="Calibri" panose="020F0502020204030204" pitchFamily="34" charset="0"/>
+              </a:rPr>
+              <a:t>22 Insurance Companies </a:t>
+            </a:r>
+          </a:p>
+          <a:p>
+            <a:pPr marL="285750" indent="-285750">
+              <a:buFont typeface="Arial" panose="020B0604020202020204" pitchFamily="34" charset="0"/>
+              <a:buChar char="•"/>
+            </a:pPr>
+            <a:r>
+              <a:rPr lang="el-GR" dirty="0">
+                <a:latin typeface="Calibri" panose="020F0502020204030204" pitchFamily="34" charset="0"/>
+                <a:cs typeface="Calibri" panose="020F0502020204030204" pitchFamily="34" charset="0"/>
+              </a:rPr>
+              <a:t>€360</a:t>
+            </a:r>
+            <a:r>
+              <a:rPr lang="en-GB" dirty="0">
+                <a:latin typeface="Calibri" panose="020F0502020204030204" pitchFamily="34" charset="0"/>
+                <a:cs typeface="Calibri" panose="020F0502020204030204" pitchFamily="34" charset="0"/>
+              </a:rPr>
+              <a:t> mil</a:t>
+            </a:r>
+            <a:r>
+              <a:rPr lang="el-GR" dirty="0">
+                <a:latin typeface="Calibri" panose="020F0502020204030204" pitchFamily="34" charset="0"/>
+                <a:cs typeface="Calibri" panose="020F0502020204030204" pitchFamily="34" charset="0"/>
+              </a:rPr>
+              <a:t> </a:t>
+            </a:r>
+            <a:r>
+              <a:rPr lang="en-GB" dirty="0">
+                <a:latin typeface="Calibri" panose="020F0502020204030204" pitchFamily="34" charset="0"/>
+                <a:cs typeface="Calibri" panose="020F0502020204030204" pitchFamily="34" charset="0"/>
+              </a:rPr>
+              <a:t>General Business  Premium written</a:t>
+            </a:r>
+          </a:p>
+          <a:p>
+            <a:r>
+              <a:rPr lang="en-GB" dirty="0">
+                <a:latin typeface="Calibri" panose="020F0502020204030204" pitchFamily="34" charset="0"/>
+                <a:cs typeface="Calibri" panose="020F0502020204030204" pitchFamily="34" charset="0"/>
+              </a:rPr>
+              <a:t>     (</a:t>
+            </a:r>
+            <a:r>
+              <a:rPr lang="el-GR" dirty="0">
+                <a:latin typeface="Calibri" panose="020F0502020204030204" pitchFamily="34" charset="0"/>
+                <a:cs typeface="Calibri" panose="020F0502020204030204" pitchFamily="34" charset="0"/>
+              </a:rPr>
+              <a:t>€</a:t>
+            </a:r>
+            <a:r>
+              <a:rPr lang="en-GB" dirty="0">
+                <a:latin typeface="Calibri" panose="020F0502020204030204" pitchFamily="34" charset="0"/>
+                <a:cs typeface="Calibri" panose="020F0502020204030204" pitchFamily="34" charset="0"/>
+              </a:rPr>
+              <a:t>165 mil motor ,  </a:t>
+            </a:r>
+            <a:r>
+              <a:rPr lang="el-GR" dirty="0">
+                <a:latin typeface="Calibri" panose="020F0502020204030204" pitchFamily="34" charset="0"/>
+                <a:cs typeface="Calibri" panose="020F0502020204030204" pitchFamily="34" charset="0"/>
+              </a:rPr>
+              <a:t>€</a:t>
+            </a:r>
+            <a:r>
+              <a:rPr lang="en-GB" dirty="0">
+                <a:latin typeface="Calibri" panose="020F0502020204030204" pitchFamily="34" charset="0"/>
+                <a:cs typeface="Calibri" panose="020F0502020204030204" pitchFamily="34" charset="0"/>
+              </a:rPr>
+              <a:t>155 mil  non-motor, </a:t>
+            </a:r>
+            <a:r>
+              <a:rPr lang="el-GR" dirty="0">
+                <a:latin typeface="Calibri" panose="020F0502020204030204" pitchFamily="34" charset="0"/>
+                <a:cs typeface="Calibri" panose="020F0502020204030204" pitchFamily="34" charset="0"/>
+              </a:rPr>
+              <a:t>€</a:t>
+            </a:r>
+            <a:r>
+              <a:rPr lang="en-GB" dirty="0">
+                <a:latin typeface="Calibri" panose="020F0502020204030204" pitchFamily="34" charset="0"/>
+                <a:cs typeface="Calibri" panose="020F0502020204030204" pitchFamily="34" charset="0"/>
+              </a:rPr>
+              <a:t>35 mil health)</a:t>
+            </a:r>
+          </a:p>
+          <a:p>
+            <a:pPr marL="285750" indent="-285750">
+              <a:buFont typeface="Arial" panose="020B0604020202020204" pitchFamily="34" charset="0"/>
+              <a:buChar char="•"/>
+            </a:pPr>
+            <a:endParaRPr lang="x-none" dirty="0"/>
+          </a:p>
+        </p:txBody>
+      </p:sp>
+      <p:sp>
+        <p:nvSpPr>
+          <p:cNvPr id="8" name="TextBox 7">
+            <a:extLst>
+              <a:ext uri="{FF2B5EF4-FFF2-40B4-BE49-F238E27FC236}">
+                <a16:creationId xmlns:a16="http://schemas.microsoft.com/office/drawing/2014/main" xmlns="" id="{51B50F16-1E86-4A15-95F5-D4DDA6158FD5}"/>
+              </a:ext>
+            </a:extLst>
+          </p:cNvPr>
+          <p:cNvSpPr txBox="1"/>
+          <p:nvPr/>
+        </p:nvSpPr>
+        <p:spPr>
+          <a:xfrm>
+            <a:off x="681642" y="1509014"/>
+            <a:ext cx="7974676" cy="369332"/>
+          </a:xfrm>
+          <a:prstGeom prst="rect">
+            <a:avLst/>
+          </a:prstGeom>
+          <a:noFill/>
+        </p:spPr>
+        <p:txBody>
+          <a:bodyPr wrap="square" rtlCol="0">
+            <a:spAutoFit/>
+          </a:bodyPr>
+          <a:lstStyle/>
+          <a:p>
+            <a:r>
+              <a:rPr lang="en-GB" b="1" dirty="0"/>
+              <a:t>Cypriot Insurance Market</a:t>
+            </a:r>
+          </a:p>
+        </p:txBody>
+      </p:sp>
     </p:spTree>
     <p:extLst>
       <p:ext uri="{BB962C8B-B14F-4D97-AF65-F5344CB8AC3E}">
         <p14:creationId xmlns:p14="http://schemas.microsoft.com/office/powerpoint/2010/main" val="3181053592"/>
+      </p:ext>
+    </p:extLst>
+  </p:cSld>
+  <p:clrMapOvr>
+    <a:masterClrMapping/>
+  </p:clrMapOvr>
+  <mc:AlternateContent xmlns:mc="http://schemas.openxmlformats.org/markup-compatibility/2006" xmlns:p14="http://schemas.microsoft.com/office/powerpoint/2010/main">
+    <mc:Choice Requires="p14">
+      <p:transition spd="med" p14:dur="700">
+        <p:fade/>
+      </p:transition>
+    </mc:Choice>
+    <mc:Fallback xmlns="">
+      <p:transition spd="med">
+        <p:fade/>
+      </p:transition>
+    </mc:Fallback>
+  </mc:AlternateContent>
+</p:sld>
+</file>
+
+<file path=ppt/slides/slide9.xml><?xml version="1.0" encoding="utf-8"?>
+<p:sld xmlns:a="http://schemas.openxmlformats.org/drawingml/2006/main" xmlns:r="http://schemas.openxmlformats.org/officeDocument/2006/relationships" xmlns:p="http://schemas.openxmlformats.org/presentationml/2006/main">
+  <p:cSld>
+    <p:spTree>
+      <p:nvGrpSpPr>
+        <p:cNvPr id="1" name=""/>
+        <p:cNvGrpSpPr/>
+        <p:nvPr/>
+      </p:nvGrpSpPr>
+      <p:grpSpPr>
+        <a:xfrm>
+          <a:off x="0" y="0"/>
+          <a:ext cx="0" cy="0"/>
+          <a:chOff x="0" y="0"/>
+          <a:chExt cx="0" cy="0"/>
+        </a:xfrm>
+      </p:grpSpPr>
+      <p:sp>
+        <p:nvSpPr>
+          <p:cNvPr id="2" name="TextBox 1">
+            <a:extLst>
+              <a:ext uri="{FF2B5EF4-FFF2-40B4-BE49-F238E27FC236}">
+                <a16:creationId xmlns:a16="http://schemas.microsoft.com/office/drawing/2014/main" xmlns="" id="{53D2130E-101E-4BA8-8459-9F885B6FAB19}"/>
+              </a:ext>
+            </a:extLst>
+          </p:cNvPr>
+          <p:cNvSpPr txBox="1"/>
+          <p:nvPr/>
+        </p:nvSpPr>
+        <p:spPr>
+          <a:xfrm>
+            <a:off x="4154162" y="2644170"/>
+            <a:ext cx="4578055" cy="1569660"/>
+          </a:xfrm>
+          <a:prstGeom prst="rect">
+            <a:avLst/>
+          </a:prstGeom>
+          <a:noFill/>
+        </p:spPr>
+        <p:txBody>
+          <a:bodyPr wrap="square" rtlCol="0">
+            <a:spAutoFit/>
+          </a:bodyPr>
+          <a:lstStyle/>
+          <a:p>
+            <a:r>
+              <a:rPr lang="en-GB" sz="9600" dirty="0">
+                <a:latin typeface="Calibri" panose="020F0502020204030204" pitchFamily="34" charset="0"/>
+                <a:cs typeface="Calibri" panose="020F0502020204030204" pitchFamily="34" charset="0"/>
+              </a:rPr>
+              <a:t>DEMO</a:t>
+            </a:r>
+            <a:endParaRPr lang="x-none" sz="9600" dirty="0">
+              <a:latin typeface="Calibri" panose="020F0502020204030204" pitchFamily="34" charset="0"/>
+              <a:cs typeface="Calibri" panose="020F0502020204030204" pitchFamily="34" charset="0"/>
+            </a:endParaRPr>
+          </a:p>
+        </p:txBody>
+      </p:sp>
+    </p:spTree>
+    <p:extLst>
+      <p:ext uri="{BB962C8B-B14F-4D97-AF65-F5344CB8AC3E}">
+        <p14:creationId xmlns:p14="http://schemas.microsoft.com/office/powerpoint/2010/main" val="596456863"/>
       </p:ext>
     </p:extLst>
   </p:cSld>
@@ -14043,7 +14279,7 @@
   <a:extraClrSchemeLst/>
   <a:extLst>
     <a:ext uri="{05A4C25C-085E-4340-85A3-A5531E510DB2}">
-      <thm15:themeFamily xmlns:thm15="http://schemas.microsoft.com/office/thememl/2012/main" name="Green brushed metal presentation (widescreen).potx" id="{C4E52658-42BB-4751-AD45-DBF99E6546BE}" vid="{DAEF9E1A-844D-45D9-BB7C-945DFF722FA1}"/>
+      <thm15:themeFamily xmlns:thm15="http://schemas.microsoft.com/office/thememl/2012/main" xmlns="" name="Green brushed metal presentation (widescreen).potx" id="{C4E52658-42BB-4751-AD45-DBF99E6546BE}" vid="{DAEF9E1A-844D-45D9-BB7C-945DFF722FA1}"/>
     </a:ext>
   </a:extLst>
 </a:theme>
